--- a/Final_Project/Presentation/final_project_presentation.pptx
+++ b/Final_Project/Presentation/final_project_presentation.pptx
@@ -4,6 +4,9 @@
   <p:sldMasterIdLst>
     <p:sldMasterId id="2147483648" r:id="rId1"/>
   </p:sldMasterIdLst>
+  <p:notesMasterIdLst>
+    <p:notesMasterId r:id="rId14"/>
+  </p:notesMasterIdLst>
   <p:sldIdLst>
     <p:sldId id="256" r:id="rId2"/>
     <p:sldId id="257" r:id="rId3"/>
@@ -11,9 +14,12 @@
     <p:sldId id="258" r:id="rId5"/>
     <p:sldId id="260" r:id="rId6"/>
     <p:sldId id="261" r:id="rId7"/>
-    <p:sldId id="263" r:id="rId8"/>
-    <p:sldId id="262" r:id="rId9"/>
-    <p:sldId id="264" r:id="rId10"/>
+    <p:sldId id="265" r:id="rId8"/>
+    <p:sldId id="263" r:id="rId9"/>
+    <p:sldId id="262" r:id="rId10"/>
+    <p:sldId id="264" r:id="rId11"/>
+    <p:sldId id="267" r:id="rId12"/>
+    <p:sldId id="268" r:id="rId13"/>
   </p:sldIdLst>
   <p:sldSz cx="12192000" cy="6858000"/>
   <p:notesSz cx="6858000" cy="9144000"/>
@@ -120,6 +126,533 @@
 </p:presentation>
 </file>
 
+<file path=ppt/revisionInfo.xml><?xml version="1.0" encoding="utf-8"?>
+<p1510:revInfo xmlns:a="http://schemas.openxmlformats.org/drawingml/2006/main" xmlns:r="http://schemas.openxmlformats.org/officeDocument/2006/relationships" xmlns:p1510="http://schemas.microsoft.com/office/powerpoint/2015/10/main"/>
+</file>
+
+<file path=ppt/notesMasters/notesMaster1.xml><?xml version="1.0" encoding="utf-8"?>
+<p:notesMaster xmlns:a="http://schemas.openxmlformats.org/drawingml/2006/main" xmlns:r="http://schemas.openxmlformats.org/officeDocument/2006/relationships" xmlns:p="http://schemas.openxmlformats.org/presentationml/2006/main">
+  <p:cSld>
+    <p:bg>
+      <p:bgRef idx="1001">
+        <a:schemeClr val="bg1"/>
+      </p:bgRef>
+    </p:bg>
+    <p:spTree>
+      <p:nvGrpSpPr>
+        <p:cNvPr id="1" name=""/>
+        <p:cNvGrpSpPr/>
+        <p:nvPr/>
+      </p:nvGrpSpPr>
+      <p:grpSpPr>
+        <a:xfrm>
+          <a:off x="0" y="0"/>
+          <a:ext cx="0" cy="0"/>
+          <a:chOff x="0" y="0"/>
+          <a:chExt cx="0" cy="0"/>
+        </a:xfrm>
+      </p:grpSpPr>
+      <p:sp>
+        <p:nvSpPr>
+          <p:cNvPr id="2" name="Header Placeholder 1"/>
+          <p:cNvSpPr>
+            <a:spLocks noGrp="1"/>
+          </p:cNvSpPr>
+          <p:nvPr>
+            <p:ph type="hdr" sz="quarter"/>
+          </p:nvPr>
+        </p:nvSpPr>
+        <p:spPr>
+          <a:xfrm>
+            <a:off x="0" y="0"/>
+            <a:ext cx="2971800" cy="458788"/>
+          </a:xfrm>
+          <a:prstGeom prst="rect">
+            <a:avLst/>
+          </a:prstGeom>
+        </p:spPr>
+        <p:txBody>
+          <a:bodyPr vert="horz" lIns="91440" tIns="45720" rIns="91440" bIns="45720" rtlCol="0"/>
+          <a:lstStyle>
+            <a:lvl1pPr algn="l">
+              <a:defRPr sz="1200"/>
+            </a:lvl1pPr>
+          </a:lstStyle>
+          <a:p>
+            <a:endParaRPr lang="en-US"/>
+          </a:p>
+        </p:txBody>
+      </p:sp>
+      <p:sp>
+        <p:nvSpPr>
+          <p:cNvPr id="3" name="Date Placeholder 2"/>
+          <p:cNvSpPr>
+            <a:spLocks noGrp="1"/>
+          </p:cNvSpPr>
+          <p:nvPr>
+            <p:ph type="dt" idx="1"/>
+          </p:nvPr>
+        </p:nvSpPr>
+        <p:spPr>
+          <a:xfrm>
+            <a:off x="3884613" y="0"/>
+            <a:ext cx="2971800" cy="458788"/>
+          </a:xfrm>
+          <a:prstGeom prst="rect">
+            <a:avLst/>
+          </a:prstGeom>
+        </p:spPr>
+        <p:txBody>
+          <a:bodyPr vert="horz" lIns="91440" tIns="45720" rIns="91440" bIns="45720" rtlCol="0"/>
+          <a:lstStyle>
+            <a:lvl1pPr algn="r">
+              <a:defRPr sz="1200"/>
+            </a:lvl1pPr>
+          </a:lstStyle>
+          <a:p>
+            <a:fld id="{9610B03A-6F38-47FD-8B5C-ECADD6573139}" type="datetimeFigureOut">
+              <a:rPr lang="en-US" smtClean="0"/>
+              <a:t>11/17/2017</a:t>
+            </a:fld>
+            <a:endParaRPr lang="en-US"/>
+          </a:p>
+        </p:txBody>
+      </p:sp>
+      <p:sp>
+        <p:nvSpPr>
+          <p:cNvPr id="4" name="Slide Image Placeholder 3"/>
+          <p:cNvSpPr>
+            <a:spLocks noGrp="1" noRot="1" noChangeAspect="1"/>
+          </p:cNvSpPr>
+          <p:nvPr>
+            <p:ph type="sldImg" idx="2"/>
+          </p:nvPr>
+        </p:nvSpPr>
+        <p:spPr>
+          <a:xfrm>
+            <a:off x="685800" y="1143000"/>
+            <a:ext cx="5486400" cy="3086100"/>
+          </a:xfrm>
+          <a:prstGeom prst="rect">
+            <a:avLst/>
+          </a:prstGeom>
+          <a:noFill/>
+          <a:ln w="12700">
+            <a:solidFill>
+              <a:prstClr val="black"/>
+            </a:solidFill>
+          </a:ln>
+        </p:spPr>
+        <p:txBody>
+          <a:bodyPr vert="horz" lIns="91440" tIns="45720" rIns="91440" bIns="45720" rtlCol="0" anchor="ctr"/>
+          <a:lstStyle/>
+          <a:p>
+            <a:endParaRPr lang="en-US"/>
+          </a:p>
+        </p:txBody>
+      </p:sp>
+      <p:sp>
+        <p:nvSpPr>
+          <p:cNvPr id="5" name="Notes Placeholder 4"/>
+          <p:cNvSpPr>
+            <a:spLocks noGrp="1"/>
+          </p:cNvSpPr>
+          <p:nvPr>
+            <p:ph type="body" sz="quarter" idx="3"/>
+          </p:nvPr>
+        </p:nvSpPr>
+        <p:spPr>
+          <a:xfrm>
+            <a:off x="685800" y="4400550"/>
+            <a:ext cx="5486400" cy="3600450"/>
+          </a:xfrm>
+          <a:prstGeom prst="rect">
+            <a:avLst/>
+          </a:prstGeom>
+        </p:spPr>
+        <p:txBody>
+          <a:bodyPr vert="horz" lIns="91440" tIns="45720" rIns="91440" bIns="45720" rtlCol="0"/>
+          <a:lstStyle/>
+          <a:p>
+            <a:pPr lvl="0"/>
+            <a:r>
+              <a:rPr lang="en-US"/>
+              <a:t>Edit Master text styles</a:t>
+            </a:r>
+          </a:p>
+          <a:p>
+            <a:pPr lvl="1"/>
+            <a:r>
+              <a:rPr lang="en-US"/>
+              <a:t>Second level</a:t>
+            </a:r>
+          </a:p>
+          <a:p>
+            <a:pPr lvl="2"/>
+            <a:r>
+              <a:rPr lang="en-US"/>
+              <a:t>Third level</a:t>
+            </a:r>
+          </a:p>
+          <a:p>
+            <a:pPr lvl="3"/>
+            <a:r>
+              <a:rPr lang="en-US"/>
+              <a:t>Fourth level</a:t>
+            </a:r>
+          </a:p>
+          <a:p>
+            <a:pPr lvl="4"/>
+            <a:r>
+              <a:rPr lang="en-US"/>
+              <a:t>Fifth level</a:t>
+            </a:r>
+          </a:p>
+        </p:txBody>
+      </p:sp>
+      <p:sp>
+        <p:nvSpPr>
+          <p:cNvPr id="6" name="Footer Placeholder 5"/>
+          <p:cNvSpPr>
+            <a:spLocks noGrp="1"/>
+          </p:cNvSpPr>
+          <p:nvPr>
+            <p:ph type="ftr" sz="quarter" idx="4"/>
+          </p:nvPr>
+        </p:nvSpPr>
+        <p:spPr>
+          <a:xfrm>
+            <a:off x="0" y="8685213"/>
+            <a:ext cx="2971800" cy="458787"/>
+          </a:xfrm>
+          <a:prstGeom prst="rect">
+            <a:avLst/>
+          </a:prstGeom>
+        </p:spPr>
+        <p:txBody>
+          <a:bodyPr vert="horz" lIns="91440" tIns="45720" rIns="91440" bIns="45720" rtlCol="0" anchor="b"/>
+          <a:lstStyle>
+            <a:lvl1pPr algn="l">
+              <a:defRPr sz="1200"/>
+            </a:lvl1pPr>
+          </a:lstStyle>
+          <a:p>
+            <a:endParaRPr lang="en-US"/>
+          </a:p>
+        </p:txBody>
+      </p:sp>
+      <p:sp>
+        <p:nvSpPr>
+          <p:cNvPr id="7" name="Slide Number Placeholder 6"/>
+          <p:cNvSpPr>
+            <a:spLocks noGrp="1"/>
+          </p:cNvSpPr>
+          <p:nvPr>
+            <p:ph type="sldNum" sz="quarter" idx="5"/>
+          </p:nvPr>
+        </p:nvSpPr>
+        <p:spPr>
+          <a:xfrm>
+            <a:off x="3884613" y="8685213"/>
+            <a:ext cx="2971800" cy="458787"/>
+          </a:xfrm>
+          <a:prstGeom prst="rect">
+            <a:avLst/>
+          </a:prstGeom>
+        </p:spPr>
+        <p:txBody>
+          <a:bodyPr vert="horz" lIns="91440" tIns="45720" rIns="91440" bIns="45720" rtlCol="0" anchor="b"/>
+          <a:lstStyle>
+            <a:lvl1pPr algn="r">
+              <a:defRPr sz="1200"/>
+            </a:lvl1pPr>
+          </a:lstStyle>
+          <a:p>
+            <a:fld id="{8EB7CF9E-2A69-48C9-B72B-5C25A21B98F5}" type="slidenum">
+              <a:rPr lang="en-US" smtClean="0"/>
+              <a:t>‹#›</a:t>
+            </a:fld>
+            <a:endParaRPr lang="en-US"/>
+          </a:p>
+        </p:txBody>
+      </p:sp>
+    </p:spTree>
+    <p:extLst>
+      <p:ext uri="{BB962C8B-B14F-4D97-AF65-F5344CB8AC3E}">
+        <p14:creationId xmlns:p14="http://schemas.microsoft.com/office/powerpoint/2010/main" val="3120246544"/>
+      </p:ext>
+    </p:extLst>
+  </p:cSld>
+  <p:clrMap bg1="lt1" tx1="dk1" bg2="lt2" tx2="dk2" accent1="accent1" accent2="accent2" accent3="accent3" accent4="accent4" accent5="accent5" accent6="accent6" hlink="hlink" folHlink="folHlink"/>
+  <p:notesStyle>
+    <a:lvl1pPr marL="0" algn="l" defTabSz="914400" rtl="0" eaLnBrk="1" latinLnBrk="0" hangingPunct="1">
+      <a:defRPr sz="1200" kern="1200">
+        <a:solidFill>
+          <a:schemeClr val="tx1"/>
+        </a:solidFill>
+        <a:latin typeface="+mn-lt"/>
+        <a:ea typeface="+mn-ea"/>
+        <a:cs typeface="+mn-cs"/>
+      </a:defRPr>
+    </a:lvl1pPr>
+    <a:lvl2pPr marL="457200" algn="l" defTabSz="914400" rtl="0" eaLnBrk="1" latinLnBrk="0" hangingPunct="1">
+      <a:defRPr sz="1200" kern="1200">
+        <a:solidFill>
+          <a:schemeClr val="tx1"/>
+        </a:solidFill>
+        <a:latin typeface="+mn-lt"/>
+        <a:ea typeface="+mn-ea"/>
+        <a:cs typeface="+mn-cs"/>
+      </a:defRPr>
+    </a:lvl2pPr>
+    <a:lvl3pPr marL="914400" algn="l" defTabSz="914400" rtl="0" eaLnBrk="1" latinLnBrk="0" hangingPunct="1">
+      <a:defRPr sz="1200" kern="1200">
+        <a:solidFill>
+          <a:schemeClr val="tx1"/>
+        </a:solidFill>
+        <a:latin typeface="+mn-lt"/>
+        <a:ea typeface="+mn-ea"/>
+        <a:cs typeface="+mn-cs"/>
+      </a:defRPr>
+    </a:lvl3pPr>
+    <a:lvl4pPr marL="1371600" algn="l" defTabSz="914400" rtl="0" eaLnBrk="1" latinLnBrk="0" hangingPunct="1">
+      <a:defRPr sz="1200" kern="1200">
+        <a:solidFill>
+          <a:schemeClr val="tx1"/>
+        </a:solidFill>
+        <a:latin typeface="+mn-lt"/>
+        <a:ea typeface="+mn-ea"/>
+        <a:cs typeface="+mn-cs"/>
+      </a:defRPr>
+    </a:lvl4pPr>
+    <a:lvl5pPr marL="1828800" algn="l" defTabSz="914400" rtl="0" eaLnBrk="1" latinLnBrk="0" hangingPunct="1">
+      <a:defRPr sz="1200" kern="1200">
+        <a:solidFill>
+          <a:schemeClr val="tx1"/>
+        </a:solidFill>
+        <a:latin typeface="+mn-lt"/>
+        <a:ea typeface="+mn-ea"/>
+        <a:cs typeface="+mn-cs"/>
+      </a:defRPr>
+    </a:lvl5pPr>
+    <a:lvl6pPr marL="2286000" algn="l" defTabSz="914400" rtl="0" eaLnBrk="1" latinLnBrk="0" hangingPunct="1">
+      <a:defRPr sz="1200" kern="1200">
+        <a:solidFill>
+          <a:schemeClr val="tx1"/>
+        </a:solidFill>
+        <a:latin typeface="+mn-lt"/>
+        <a:ea typeface="+mn-ea"/>
+        <a:cs typeface="+mn-cs"/>
+      </a:defRPr>
+    </a:lvl6pPr>
+    <a:lvl7pPr marL="2743200" algn="l" defTabSz="914400" rtl="0" eaLnBrk="1" latinLnBrk="0" hangingPunct="1">
+      <a:defRPr sz="1200" kern="1200">
+        <a:solidFill>
+          <a:schemeClr val="tx1"/>
+        </a:solidFill>
+        <a:latin typeface="+mn-lt"/>
+        <a:ea typeface="+mn-ea"/>
+        <a:cs typeface="+mn-cs"/>
+      </a:defRPr>
+    </a:lvl7pPr>
+    <a:lvl8pPr marL="3200400" algn="l" defTabSz="914400" rtl="0" eaLnBrk="1" latinLnBrk="0" hangingPunct="1">
+      <a:defRPr sz="1200" kern="1200">
+        <a:solidFill>
+          <a:schemeClr val="tx1"/>
+        </a:solidFill>
+        <a:latin typeface="+mn-lt"/>
+        <a:ea typeface="+mn-ea"/>
+        <a:cs typeface="+mn-cs"/>
+      </a:defRPr>
+    </a:lvl8pPr>
+    <a:lvl9pPr marL="3657600" algn="l" defTabSz="914400" rtl="0" eaLnBrk="1" latinLnBrk="0" hangingPunct="1">
+      <a:defRPr sz="1200" kern="1200">
+        <a:solidFill>
+          <a:schemeClr val="tx1"/>
+        </a:solidFill>
+        <a:latin typeface="+mn-lt"/>
+        <a:ea typeface="+mn-ea"/>
+        <a:cs typeface="+mn-cs"/>
+      </a:defRPr>
+    </a:lvl9pPr>
+  </p:notesStyle>
+</p:notesMaster>
+</file>
+
+<file path=ppt/notesSlides/notesSlide1.xml><?xml version="1.0" encoding="utf-8"?>
+<p:notes xmlns:a="http://schemas.openxmlformats.org/drawingml/2006/main" xmlns:r="http://schemas.openxmlformats.org/officeDocument/2006/relationships" xmlns:p="http://schemas.openxmlformats.org/presentationml/2006/main">
+  <p:cSld>
+    <p:spTree>
+      <p:nvGrpSpPr>
+        <p:cNvPr id="1" name=""/>
+        <p:cNvGrpSpPr/>
+        <p:nvPr/>
+      </p:nvGrpSpPr>
+      <p:grpSpPr>
+        <a:xfrm>
+          <a:off x="0" y="0"/>
+          <a:ext cx="0" cy="0"/>
+          <a:chOff x="0" y="0"/>
+          <a:chExt cx="0" cy="0"/>
+        </a:xfrm>
+      </p:grpSpPr>
+      <p:sp>
+        <p:nvSpPr>
+          <p:cNvPr id="2" name="Slide Image Placeholder 1"/>
+          <p:cNvSpPr>
+            <a:spLocks noGrp="1" noRot="1" noChangeAspect="1"/>
+          </p:cNvSpPr>
+          <p:nvPr>
+            <p:ph type="sldImg"/>
+          </p:nvPr>
+        </p:nvSpPr>
+        <p:spPr/>
+      </p:sp>
+      <p:sp>
+        <p:nvSpPr>
+          <p:cNvPr id="3" name="Notes Placeholder 2"/>
+          <p:cNvSpPr>
+            <a:spLocks noGrp="1"/>
+          </p:cNvSpPr>
+          <p:nvPr>
+            <p:ph type="body" idx="1"/>
+          </p:nvPr>
+        </p:nvSpPr>
+        <p:spPr/>
+        <p:txBody>
+          <a:bodyPr/>
+          <a:lstStyle/>
+          <a:p>
+            <a:r>
+              <a:rPr lang="en-US" dirty="0"/>
+              <a:t>46K to 37K</a:t>
+            </a:r>
+          </a:p>
+        </p:txBody>
+      </p:sp>
+      <p:sp>
+        <p:nvSpPr>
+          <p:cNvPr id="4" name="Slide Number Placeholder 3"/>
+          <p:cNvSpPr>
+            <a:spLocks noGrp="1"/>
+          </p:cNvSpPr>
+          <p:nvPr>
+            <p:ph type="sldNum" sz="quarter" idx="10"/>
+          </p:nvPr>
+        </p:nvSpPr>
+        <p:spPr/>
+        <p:txBody>
+          <a:bodyPr/>
+          <a:lstStyle/>
+          <a:p>
+            <a:fld id="{8EB7CF9E-2A69-48C9-B72B-5C25A21B98F5}" type="slidenum">
+              <a:rPr lang="en-US" smtClean="0"/>
+              <a:t>3</a:t>
+            </a:fld>
+            <a:endParaRPr lang="en-US"/>
+          </a:p>
+        </p:txBody>
+      </p:sp>
+    </p:spTree>
+    <p:extLst>
+      <p:ext uri="{BB962C8B-B14F-4D97-AF65-F5344CB8AC3E}">
+        <p14:creationId xmlns:p14="http://schemas.microsoft.com/office/powerpoint/2010/main" val="4185992120"/>
+      </p:ext>
+    </p:extLst>
+  </p:cSld>
+  <p:clrMapOvr>
+    <a:masterClrMapping/>
+  </p:clrMapOvr>
+</p:notes>
+</file>
+
+<file path=ppt/notesSlides/notesSlide2.xml><?xml version="1.0" encoding="utf-8"?>
+<p:notes xmlns:a="http://schemas.openxmlformats.org/drawingml/2006/main" xmlns:r="http://schemas.openxmlformats.org/officeDocument/2006/relationships" xmlns:p="http://schemas.openxmlformats.org/presentationml/2006/main">
+  <p:cSld>
+    <p:spTree>
+      <p:nvGrpSpPr>
+        <p:cNvPr id="1" name=""/>
+        <p:cNvGrpSpPr/>
+        <p:nvPr/>
+      </p:nvGrpSpPr>
+      <p:grpSpPr>
+        <a:xfrm>
+          <a:off x="0" y="0"/>
+          <a:ext cx="0" cy="0"/>
+          <a:chOff x="0" y="0"/>
+          <a:chExt cx="0" cy="0"/>
+        </a:xfrm>
+      </p:grpSpPr>
+      <p:sp>
+        <p:nvSpPr>
+          <p:cNvPr id="2" name="Slide Image Placeholder 1"/>
+          <p:cNvSpPr>
+            <a:spLocks noGrp="1" noRot="1" noChangeAspect="1"/>
+          </p:cNvSpPr>
+          <p:nvPr>
+            <p:ph type="sldImg"/>
+          </p:nvPr>
+        </p:nvSpPr>
+        <p:spPr/>
+      </p:sp>
+      <p:sp>
+        <p:nvSpPr>
+          <p:cNvPr id="3" name="Notes Placeholder 2"/>
+          <p:cNvSpPr>
+            <a:spLocks noGrp="1"/>
+          </p:cNvSpPr>
+          <p:nvPr>
+            <p:ph type="body" idx="1"/>
+          </p:nvPr>
+        </p:nvSpPr>
+        <p:spPr/>
+        <p:txBody>
+          <a:bodyPr/>
+          <a:lstStyle/>
+          <a:p>
+            <a:r>
+              <a:rPr lang="en-US" dirty="0"/>
+              <a:t>(21,1,1)</a:t>
+            </a:r>
+          </a:p>
+        </p:txBody>
+      </p:sp>
+      <p:sp>
+        <p:nvSpPr>
+          <p:cNvPr id="4" name="Slide Number Placeholder 3"/>
+          <p:cNvSpPr>
+            <a:spLocks noGrp="1"/>
+          </p:cNvSpPr>
+          <p:nvPr>
+            <p:ph type="sldNum" sz="quarter" idx="10"/>
+          </p:nvPr>
+        </p:nvSpPr>
+        <p:spPr/>
+        <p:txBody>
+          <a:bodyPr/>
+          <a:lstStyle/>
+          <a:p>
+            <a:fld id="{8EB7CF9E-2A69-48C9-B72B-5C25A21B98F5}" type="slidenum">
+              <a:rPr lang="en-US" smtClean="0"/>
+              <a:t>11</a:t>
+            </a:fld>
+            <a:endParaRPr lang="en-US"/>
+          </a:p>
+        </p:txBody>
+      </p:sp>
+    </p:spTree>
+    <p:extLst>
+      <p:ext uri="{BB962C8B-B14F-4D97-AF65-F5344CB8AC3E}">
+        <p14:creationId xmlns:p14="http://schemas.microsoft.com/office/powerpoint/2010/main" val="1214442309"/>
+      </p:ext>
+    </p:extLst>
+  </p:cSld>
+  <p:clrMapOvr>
+    <a:masterClrMapping/>
+  </p:clrMapOvr>
+</p:notes>
+</file>
+
 <file path=ppt/slideLayouts/slideLayout1.xml><?xml version="1.0" encoding="utf-8"?>
 <p:sldLayout xmlns:a="http://schemas.openxmlformats.org/drawingml/2006/main" xmlns:r="http://schemas.openxmlformats.org/officeDocument/2006/relationships" xmlns:p="http://schemas.openxmlformats.org/presentationml/2006/main" type="title" preserve="1">
   <p:cSld name="Title Slide">
@@ -162,10 +695,9 @@
           </a:lstStyle>
           <a:p>
             <a:r>
-              <a:rPr lang="en-US" smtClean="0"/>
+              <a:rPr lang="en-US"/>
               <a:t>Click to edit Master title style</a:t>
             </a:r>
-            <a:endParaRPr lang="en-US"/>
           </a:p>
         </p:txBody>
       </p:sp>
@@ -227,10 +759,9 @@
           </a:lstStyle>
           <a:p>
             <a:r>
-              <a:rPr lang="en-US" smtClean="0"/>
+              <a:rPr lang="en-US"/>
               <a:t>Click to edit Master subtitle style</a:t>
             </a:r>
-            <a:endParaRPr lang="en-US"/>
           </a:p>
         </p:txBody>
       </p:sp>
@@ -251,7 +782,7 @@
           <a:p>
             <a:fld id="{750B4A1C-CCE2-4EBB-9C6F-E54A78F24D1F}" type="datetimeFigureOut">
               <a:rPr lang="en-US" smtClean="0"/>
-              <a:t>10/23/2017</a:t>
+              <a:t>11/17/2017</a:t>
             </a:fld>
             <a:endParaRPr lang="en-US"/>
           </a:p>
@@ -345,10 +876,9 @@
           <a:lstStyle/>
           <a:p>
             <a:r>
-              <a:rPr lang="en-US" smtClean="0"/>
+              <a:rPr lang="en-US"/>
               <a:t>Click to edit Master title style</a:t>
             </a:r>
-            <a:endParaRPr lang="en-US"/>
           </a:p>
         </p:txBody>
       </p:sp>
@@ -369,38 +899,37 @@
           <a:p>
             <a:pPr lvl="0"/>
             <a:r>
-              <a:rPr lang="en-US" smtClean="0"/>
+              <a:rPr lang="en-US"/>
               <a:t>Click to edit Master text styles</a:t>
             </a:r>
           </a:p>
           <a:p>
             <a:pPr lvl="1"/>
             <a:r>
-              <a:rPr lang="en-US" smtClean="0"/>
+              <a:rPr lang="en-US"/>
               <a:t>Second level</a:t>
             </a:r>
           </a:p>
           <a:p>
             <a:pPr lvl="2"/>
             <a:r>
-              <a:rPr lang="en-US" smtClean="0"/>
+              <a:rPr lang="en-US"/>
               <a:t>Third level</a:t>
             </a:r>
           </a:p>
           <a:p>
             <a:pPr lvl="3"/>
             <a:r>
-              <a:rPr lang="en-US" smtClean="0"/>
+              <a:rPr lang="en-US"/>
               <a:t>Fourth level</a:t>
             </a:r>
           </a:p>
           <a:p>
             <a:pPr lvl="4"/>
             <a:r>
-              <a:rPr lang="en-US" smtClean="0"/>
+              <a:rPr lang="en-US"/>
               <a:t>Fifth level</a:t>
             </a:r>
-            <a:endParaRPr lang="en-US"/>
           </a:p>
         </p:txBody>
       </p:sp>
@@ -421,7 +950,7 @@
           <a:p>
             <a:fld id="{750B4A1C-CCE2-4EBB-9C6F-E54A78F24D1F}" type="datetimeFigureOut">
               <a:rPr lang="en-US" smtClean="0"/>
-              <a:t>10/23/2017</a:t>
+              <a:t>11/17/2017</a:t>
             </a:fld>
             <a:endParaRPr lang="en-US"/>
           </a:p>
@@ -520,10 +1049,9 @@
           <a:lstStyle/>
           <a:p>
             <a:r>
-              <a:rPr lang="en-US" smtClean="0"/>
+              <a:rPr lang="en-US"/>
               <a:t>Click to edit Master title style</a:t>
             </a:r>
-            <a:endParaRPr lang="en-US"/>
           </a:p>
         </p:txBody>
       </p:sp>
@@ -549,38 +1077,37 @@
           <a:p>
             <a:pPr lvl="0"/>
             <a:r>
-              <a:rPr lang="en-US" smtClean="0"/>
+              <a:rPr lang="en-US"/>
               <a:t>Click to edit Master text styles</a:t>
             </a:r>
           </a:p>
           <a:p>
             <a:pPr lvl="1"/>
             <a:r>
-              <a:rPr lang="en-US" smtClean="0"/>
+              <a:rPr lang="en-US"/>
               <a:t>Second level</a:t>
             </a:r>
           </a:p>
           <a:p>
             <a:pPr lvl="2"/>
             <a:r>
-              <a:rPr lang="en-US" smtClean="0"/>
+              <a:rPr lang="en-US"/>
               <a:t>Third level</a:t>
             </a:r>
           </a:p>
           <a:p>
             <a:pPr lvl="3"/>
             <a:r>
-              <a:rPr lang="en-US" smtClean="0"/>
+              <a:rPr lang="en-US"/>
               <a:t>Fourth level</a:t>
             </a:r>
           </a:p>
           <a:p>
             <a:pPr lvl="4"/>
             <a:r>
-              <a:rPr lang="en-US" smtClean="0"/>
+              <a:rPr lang="en-US"/>
               <a:t>Fifth level</a:t>
             </a:r>
-            <a:endParaRPr lang="en-US"/>
           </a:p>
         </p:txBody>
       </p:sp>
@@ -601,7 +1128,7 @@
           <a:p>
             <a:fld id="{750B4A1C-CCE2-4EBB-9C6F-E54A78F24D1F}" type="datetimeFigureOut">
               <a:rPr lang="en-US" smtClean="0"/>
-              <a:t>10/23/2017</a:t>
+              <a:t>11/17/2017</a:t>
             </a:fld>
             <a:endParaRPr lang="en-US"/>
           </a:p>
@@ -695,10 +1222,9 @@
           <a:lstStyle/>
           <a:p>
             <a:r>
-              <a:rPr lang="en-US" smtClean="0"/>
+              <a:rPr lang="en-US"/>
               <a:t>Click to edit Master title style</a:t>
             </a:r>
-            <a:endParaRPr lang="en-US"/>
           </a:p>
         </p:txBody>
       </p:sp>
@@ -719,38 +1245,37 @@
           <a:p>
             <a:pPr lvl="0"/>
             <a:r>
-              <a:rPr lang="en-US" smtClean="0"/>
+              <a:rPr lang="en-US"/>
               <a:t>Click to edit Master text styles</a:t>
             </a:r>
           </a:p>
           <a:p>
             <a:pPr lvl="1"/>
             <a:r>
-              <a:rPr lang="en-US" smtClean="0"/>
+              <a:rPr lang="en-US"/>
               <a:t>Second level</a:t>
             </a:r>
           </a:p>
           <a:p>
             <a:pPr lvl="2"/>
             <a:r>
-              <a:rPr lang="en-US" smtClean="0"/>
+              <a:rPr lang="en-US"/>
               <a:t>Third level</a:t>
             </a:r>
           </a:p>
           <a:p>
             <a:pPr lvl="3"/>
             <a:r>
-              <a:rPr lang="en-US" smtClean="0"/>
+              <a:rPr lang="en-US"/>
               <a:t>Fourth level</a:t>
             </a:r>
           </a:p>
           <a:p>
             <a:pPr lvl="4"/>
             <a:r>
-              <a:rPr lang="en-US" smtClean="0"/>
+              <a:rPr lang="en-US"/>
               <a:t>Fifth level</a:t>
             </a:r>
-            <a:endParaRPr lang="en-US"/>
           </a:p>
         </p:txBody>
       </p:sp>
@@ -771,7 +1296,7 @@
           <a:p>
             <a:fld id="{750B4A1C-CCE2-4EBB-9C6F-E54A78F24D1F}" type="datetimeFigureOut">
               <a:rPr lang="en-US" smtClean="0"/>
-              <a:t>10/23/2017</a:t>
+              <a:t>11/17/2017</a:t>
             </a:fld>
             <a:endParaRPr lang="en-US"/>
           </a:p>
@@ -874,10 +1399,9 @@
           </a:lstStyle>
           <a:p>
             <a:r>
-              <a:rPr lang="en-US" smtClean="0"/>
+              <a:rPr lang="en-US"/>
               <a:t>Click to edit Master title style</a:t>
             </a:r>
-            <a:endParaRPr lang="en-US"/>
           </a:p>
         </p:txBody>
       </p:sp>
@@ -994,7 +1518,7 @@
           <a:p>
             <a:pPr lvl="0"/>
             <a:r>
-              <a:rPr lang="en-US" smtClean="0"/>
+              <a:rPr lang="en-US"/>
               <a:t>Click to edit Master text styles</a:t>
             </a:r>
           </a:p>
@@ -1017,7 +1541,7 @@
           <a:p>
             <a:fld id="{750B4A1C-CCE2-4EBB-9C6F-E54A78F24D1F}" type="datetimeFigureOut">
               <a:rPr lang="en-US" smtClean="0"/>
-              <a:t>10/23/2017</a:t>
+              <a:t>11/17/2017</a:t>
             </a:fld>
             <a:endParaRPr lang="en-US"/>
           </a:p>
@@ -1111,10 +1635,9 @@
           <a:lstStyle/>
           <a:p>
             <a:r>
-              <a:rPr lang="en-US" smtClean="0"/>
+              <a:rPr lang="en-US"/>
               <a:t>Click to edit Master title style</a:t>
             </a:r>
-            <a:endParaRPr lang="en-US"/>
           </a:p>
         </p:txBody>
       </p:sp>
@@ -1140,38 +1663,37 @@
           <a:p>
             <a:pPr lvl="0"/>
             <a:r>
-              <a:rPr lang="en-US" smtClean="0"/>
+              <a:rPr lang="en-US"/>
               <a:t>Click to edit Master text styles</a:t>
             </a:r>
           </a:p>
           <a:p>
             <a:pPr lvl="1"/>
             <a:r>
-              <a:rPr lang="en-US" smtClean="0"/>
+              <a:rPr lang="en-US"/>
               <a:t>Second level</a:t>
             </a:r>
           </a:p>
           <a:p>
             <a:pPr lvl="2"/>
             <a:r>
-              <a:rPr lang="en-US" smtClean="0"/>
+              <a:rPr lang="en-US"/>
               <a:t>Third level</a:t>
             </a:r>
           </a:p>
           <a:p>
             <a:pPr lvl="3"/>
             <a:r>
-              <a:rPr lang="en-US" smtClean="0"/>
+              <a:rPr lang="en-US"/>
               <a:t>Fourth level</a:t>
             </a:r>
           </a:p>
           <a:p>
             <a:pPr lvl="4"/>
             <a:r>
-              <a:rPr lang="en-US" smtClean="0"/>
+              <a:rPr lang="en-US"/>
               <a:t>Fifth level</a:t>
             </a:r>
-            <a:endParaRPr lang="en-US"/>
           </a:p>
         </p:txBody>
       </p:sp>
@@ -1197,38 +1719,37 @@
           <a:p>
             <a:pPr lvl="0"/>
             <a:r>
-              <a:rPr lang="en-US" smtClean="0"/>
+              <a:rPr lang="en-US"/>
               <a:t>Click to edit Master text styles</a:t>
             </a:r>
           </a:p>
           <a:p>
             <a:pPr lvl="1"/>
             <a:r>
-              <a:rPr lang="en-US" smtClean="0"/>
+              <a:rPr lang="en-US"/>
               <a:t>Second level</a:t>
             </a:r>
           </a:p>
           <a:p>
             <a:pPr lvl="2"/>
             <a:r>
-              <a:rPr lang="en-US" smtClean="0"/>
+              <a:rPr lang="en-US"/>
               <a:t>Third level</a:t>
             </a:r>
           </a:p>
           <a:p>
             <a:pPr lvl="3"/>
             <a:r>
-              <a:rPr lang="en-US" smtClean="0"/>
+              <a:rPr lang="en-US"/>
               <a:t>Fourth level</a:t>
             </a:r>
           </a:p>
           <a:p>
             <a:pPr lvl="4"/>
             <a:r>
-              <a:rPr lang="en-US" smtClean="0"/>
+              <a:rPr lang="en-US"/>
               <a:t>Fifth level</a:t>
             </a:r>
-            <a:endParaRPr lang="en-US"/>
           </a:p>
         </p:txBody>
       </p:sp>
@@ -1249,7 +1770,7 @@
           <a:p>
             <a:fld id="{750B4A1C-CCE2-4EBB-9C6F-E54A78F24D1F}" type="datetimeFigureOut">
               <a:rPr lang="en-US" smtClean="0"/>
-              <a:t>10/23/2017</a:t>
+              <a:t>11/17/2017</a:t>
             </a:fld>
             <a:endParaRPr lang="en-US"/>
           </a:p>
@@ -1348,10 +1869,9 @@
           <a:lstStyle/>
           <a:p>
             <a:r>
-              <a:rPr lang="en-US" smtClean="0"/>
+              <a:rPr lang="en-US"/>
               <a:t>Click to edit Master title style</a:t>
             </a:r>
-            <a:endParaRPr lang="en-US"/>
           </a:p>
         </p:txBody>
       </p:sp>
@@ -1414,7 +1934,7 @@
           <a:p>
             <a:pPr lvl="0"/>
             <a:r>
-              <a:rPr lang="en-US" smtClean="0"/>
+              <a:rPr lang="en-US"/>
               <a:t>Click to edit Master text styles</a:t>
             </a:r>
           </a:p>
@@ -1442,38 +1962,37 @@
           <a:p>
             <a:pPr lvl="0"/>
             <a:r>
-              <a:rPr lang="en-US" smtClean="0"/>
+              <a:rPr lang="en-US"/>
               <a:t>Click to edit Master text styles</a:t>
             </a:r>
           </a:p>
           <a:p>
             <a:pPr lvl="1"/>
             <a:r>
-              <a:rPr lang="en-US" smtClean="0"/>
+              <a:rPr lang="en-US"/>
               <a:t>Second level</a:t>
             </a:r>
           </a:p>
           <a:p>
             <a:pPr lvl="2"/>
             <a:r>
-              <a:rPr lang="en-US" smtClean="0"/>
+              <a:rPr lang="en-US"/>
               <a:t>Third level</a:t>
             </a:r>
           </a:p>
           <a:p>
             <a:pPr lvl="3"/>
             <a:r>
-              <a:rPr lang="en-US" smtClean="0"/>
+              <a:rPr lang="en-US"/>
               <a:t>Fourth level</a:t>
             </a:r>
           </a:p>
           <a:p>
             <a:pPr lvl="4"/>
             <a:r>
-              <a:rPr lang="en-US" smtClean="0"/>
+              <a:rPr lang="en-US"/>
               <a:t>Fifth level</a:t>
             </a:r>
-            <a:endParaRPr lang="en-US"/>
           </a:p>
         </p:txBody>
       </p:sp>
@@ -1536,7 +2055,7 @@
           <a:p>
             <a:pPr lvl="0"/>
             <a:r>
-              <a:rPr lang="en-US" smtClean="0"/>
+              <a:rPr lang="en-US"/>
               <a:t>Click to edit Master text styles</a:t>
             </a:r>
           </a:p>
@@ -1564,38 +2083,37 @@
           <a:p>
             <a:pPr lvl="0"/>
             <a:r>
-              <a:rPr lang="en-US" smtClean="0"/>
+              <a:rPr lang="en-US"/>
               <a:t>Click to edit Master text styles</a:t>
             </a:r>
           </a:p>
           <a:p>
             <a:pPr lvl="1"/>
             <a:r>
-              <a:rPr lang="en-US" smtClean="0"/>
+              <a:rPr lang="en-US"/>
               <a:t>Second level</a:t>
             </a:r>
           </a:p>
           <a:p>
             <a:pPr lvl="2"/>
             <a:r>
-              <a:rPr lang="en-US" smtClean="0"/>
+              <a:rPr lang="en-US"/>
               <a:t>Third level</a:t>
             </a:r>
           </a:p>
           <a:p>
             <a:pPr lvl="3"/>
             <a:r>
-              <a:rPr lang="en-US" smtClean="0"/>
+              <a:rPr lang="en-US"/>
               <a:t>Fourth level</a:t>
             </a:r>
           </a:p>
           <a:p>
             <a:pPr lvl="4"/>
             <a:r>
-              <a:rPr lang="en-US" smtClean="0"/>
+              <a:rPr lang="en-US"/>
               <a:t>Fifth level</a:t>
             </a:r>
-            <a:endParaRPr lang="en-US"/>
           </a:p>
         </p:txBody>
       </p:sp>
@@ -1616,7 +2134,7 @@
           <a:p>
             <a:fld id="{750B4A1C-CCE2-4EBB-9C6F-E54A78F24D1F}" type="datetimeFigureOut">
               <a:rPr lang="en-US" smtClean="0"/>
-              <a:t>10/23/2017</a:t>
+              <a:t>11/17/2017</a:t>
             </a:fld>
             <a:endParaRPr lang="en-US"/>
           </a:p>
@@ -1710,10 +2228,9 @@
           <a:lstStyle/>
           <a:p>
             <a:r>
-              <a:rPr lang="en-US" smtClean="0"/>
+              <a:rPr lang="en-US"/>
               <a:t>Click to edit Master title style</a:t>
             </a:r>
-            <a:endParaRPr lang="en-US"/>
           </a:p>
         </p:txBody>
       </p:sp>
@@ -1734,7 +2251,7 @@
           <a:p>
             <a:fld id="{750B4A1C-CCE2-4EBB-9C6F-E54A78F24D1F}" type="datetimeFigureOut">
               <a:rPr lang="en-US" smtClean="0"/>
-              <a:t>10/23/2017</a:t>
+              <a:t>11/17/2017</a:t>
             </a:fld>
             <a:endParaRPr lang="en-US"/>
           </a:p>
@@ -1829,7 +2346,7 @@
           <a:p>
             <a:fld id="{750B4A1C-CCE2-4EBB-9C6F-E54A78F24D1F}" type="datetimeFigureOut">
               <a:rPr lang="en-US" smtClean="0"/>
-              <a:t>10/23/2017</a:t>
+              <a:t>11/17/2017</a:t>
             </a:fld>
             <a:endParaRPr lang="en-US"/>
           </a:p>
@@ -1932,10 +2449,9 @@
           </a:lstStyle>
           <a:p>
             <a:r>
-              <a:rPr lang="en-US" smtClean="0"/>
+              <a:rPr lang="en-US"/>
               <a:t>Click to edit Master title style</a:t>
             </a:r>
-            <a:endParaRPr lang="en-US"/>
           </a:p>
         </p:txBody>
       </p:sp>
@@ -1989,38 +2505,37 @@
           <a:p>
             <a:pPr lvl="0"/>
             <a:r>
-              <a:rPr lang="en-US" smtClean="0"/>
+              <a:rPr lang="en-US"/>
               <a:t>Click to edit Master text styles</a:t>
             </a:r>
           </a:p>
           <a:p>
             <a:pPr lvl="1"/>
             <a:r>
-              <a:rPr lang="en-US" smtClean="0"/>
+              <a:rPr lang="en-US"/>
               <a:t>Second level</a:t>
             </a:r>
           </a:p>
           <a:p>
             <a:pPr lvl="2"/>
             <a:r>
-              <a:rPr lang="en-US" smtClean="0"/>
+              <a:rPr lang="en-US"/>
               <a:t>Third level</a:t>
             </a:r>
           </a:p>
           <a:p>
             <a:pPr lvl="3"/>
             <a:r>
-              <a:rPr lang="en-US" smtClean="0"/>
+              <a:rPr lang="en-US"/>
               <a:t>Fourth level</a:t>
             </a:r>
           </a:p>
           <a:p>
             <a:pPr lvl="4"/>
             <a:r>
-              <a:rPr lang="en-US" smtClean="0"/>
+              <a:rPr lang="en-US"/>
               <a:t>Fifth level</a:t>
             </a:r>
-            <a:endParaRPr lang="en-US"/>
           </a:p>
         </p:txBody>
       </p:sp>
@@ -2083,7 +2598,7 @@
           <a:p>
             <a:pPr lvl="0"/>
             <a:r>
-              <a:rPr lang="en-US" smtClean="0"/>
+              <a:rPr lang="en-US"/>
               <a:t>Click to edit Master text styles</a:t>
             </a:r>
           </a:p>
@@ -2106,7 +2621,7 @@
           <a:p>
             <a:fld id="{750B4A1C-CCE2-4EBB-9C6F-E54A78F24D1F}" type="datetimeFigureOut">
               <a:rPr lang="en-US" smtClean="0"/>
-              <a:t>10/23/2017</a:t>
+              <a:t>11/17/2017</a:t>
             </a:fld>
             <a:endParaRPr lang="en-US"/>
           </a:p>
@@ -2209,10 +2724,9 @@
           </a:lstStyle>
           <a:p>
             <a:r>
-              <a:rPr lang="en-US" smtClean="0"/>
+              <a:rPr lang="en-US"/>
               <a:t>Click to edit Master title style</a:t>
             </a:r>
-            <a:endParaRPr lang="en-US"/>
           </a:p>
         </p:txBody>
       </p:sp>
@@ -2336,7 +2850,7 @@
           <a:p>
             <a:pPr lvl="0"/>
             <a:r>
-              <a:rPr lang="en-US" smtClean="0"/>
+              <a:rPr lang="en-US"/>
               <a:t>Click to edit Master text styles</a:t>
             </a:r>
           </a:p>
@@ -2359,7 +2873,7 @@
           <a:p>
             <a:fld id="{750B4A1C-CCE2-4EBB-9C6F-E54A78F24D1F}" type="datetimeFigureOut">
               <a:rPr lang="en-US" smtClean="0"/>
-              <a:t>10/23/2017</a:t>
+              <a:t>11/17/2017</a:t>
             </a:fld>
             <a:endParaRPr lang="en-US"/>
           </a:p>
@@ -2468,10 +2982,9 @@
           <a:lstStyle/>
           <a:p>
             <a:r>
-              <a:rPr lang="en-US" smtClean="0"/>
+              <a:rPr lang="en-US"/>
               <a:t>Click to edit Master title style</a:t>
             </a:r>
-            <a:endParaRPr lang="en-US"/>
           </a:p>
         </p:txBody>
       </p:sp>
@@ -2502,38 +3015,37 @@
           <a:p>
             <a:pPr lvl="0"/>
             <a:r>
-              <a:rPr lang="en-US" smtClean="0"/>
+              <a:rPr lang="en-US"/>
               <a:t>Click to edit Master text styles</a:t>
             </a:r>
           </a:p>
           <a:p>
             <a:pPr lvl="1"/>
             <a:r>
-              <a:rPr lang="en-US" smtClean="0"/>
+              <a:rPr lang="en-US"/>
               <a:t>Second level</a:t>
             </a:r>
           </a:p>
           <a:p>
             <a:pPr lvl="2"/>
             <a:r>
-              <a:rPr lang="en-US" smtClean="0"/>
+              <a:rPr lang="en-US"/>
               <a:t>Third level</a:t>
             </a:r>
           </a:p>
           <a:p>
             <a:pPr lvl="3"/>
             <a:r>
-              <a:rPr lang="en-US" smtClean="0"/>
+              <a:rPr lang="en-US"/>
               <a:t>Fourth level</a:t>
             </a:r>
           </a:p>
           <a:p>
             <a:pPr lvl="4"/>
             <a:r>
-              <a:rPr lang="en-US" smtClean="0"/>
+              <a:rPr lang="en-US"/>
               <a:t>Fifth level</a:t>
             </a:r>
-            <a:endParaRPr lang="en-US"/>
           </a:p>
         </p:txBody>
       </p:sp>
@@ -2572,7 +3084,7 @@
           <a:p>
             <a:fld id="{750B4A1C-CCE2-4EBB-9C6F-E54A78F24D1F}" type="datetimeFigureOut">
               <a:rPr lang="en-US" smtClean="0"/>
-              <a:t>10/23/2017</a:t>
+              <a:t>11/17/2017</a:t>
             </a:fld>
             <a:endParaRPr lang="en-US"/>
           </a:p>
@@ -2993,14 +3505,11 @@
           <a:lstStyle/>
           <a:p>
             <a:r>
-              <a:rPr lang="en-US" dirty="0" smtClean="0">
+              <a:rPr lang="en-US" dirty="0">
                 <a:latin typeface="Sentinel Light" panose="02000000000000000000" pitchFamily="50" charset="0"/>
               </a:rPr>
               <a:t>Final Project</a:t>
             </a:r>
-            <a:endParaRPr lang="en-US" dirty="0">
-              <a:latin typeface="Sentinel Light" panose="02000000000000000000" pitchFamily="50" charset="0"/>
-            </a:endParaRPr>
           </a:p>
         </p:txBody>
       </p:sp>
@@ -3020,14 +3529,11 @@
           <a:lstStyle/>
           <a:p>
             <a:r>
-              <a:rPr lang="en-US" dirty="0" smtClean="0">
+              <a:rPr lang="en-US" dirty="0">
                 <a:latin typeface="Sentinel Light" panose="02000000000000000000" pitchFamily="50" charset="0"/>
               </a:rPr>
               <a:t>Stuart Lai</a:t>
             </a:r>
-            <a:endParaRPr lang="en-US" dirty="0">
-              <a:latin typeface="Sentinel Light" panose="02000000000000000000" pitchFamily="50" charset="0"/>
-            </a:endParaRPr>
           </a:p>
         </p:txBody>
       </p:sp>
@@ -3041,13 +3547,371 @@
   <p:clrMapOvr>
     <a:masterClrMapping/>
   </p:clrMapOvr>
-  <p:timing>
-    <p:tnLst>
-      <p:par>
-        <p:cTn id="1" dur="indefinite" restart="never" nodeType="tmRoot"/>
-      </p:par>
-    </p:tnLst>
-  </p:timing>
+</p:sld>
+</file>
+
+<file path=ppt/slides/slide10.xml><?xml version="1.0" encoding="utf-8"?>
+<p:sld xmlns:a="http://schemas.openxmlformats.org/drawingml/2006/main" xmlns:r="http://schemas.openxmlformats.org/officeDocument/2006/relationships" xmlns:p="http://schemas.openxmlformats.org/presentationml/2006/main">
+  <p:cSld>
+    <p:spTree>
+      <p:nvGrpSpPr>
+        <p:cNvPr id="1" name=""/>
+        <p:cNvGrpSpPr/>
+        <p:nvPr/>
+      </p:nvGrpSpPr>
+      <p:grpSpPr>
+        <a:xfrm>
+          <a:off x="0" y="0"/>
+          <a:ext cx="0" cy="0"/>
+          <a:chOff x="0" y="0"/>
+          <a:chExt cx="0" cy="0"/>
+        </a:xfrm>
+      </p:grpSpPr>
+      <p:sp>
+        <p:nvSpPr>
+          <p:cNvPr id="2" name="Title 1"/>
+          <p:cNvSpPr>
+            <a:spLocks noGrp="1"/>
+          </p:cNvSpPr>
+          <p:nvPr>
+            <p:ph type="title"/>
+          </p:nvPr>
+        </p:nvSpPr>
+        <p:spPr/>
+        <p:txBody>
+          <a:bodyPr>
+            <a:normAutofit/>
+          </a:bodyPr>
+          <a:lstStyle/>
+          <a:p>
+            <a:r>
+              <a:rPr lang="en-US" dirty="0">
+                <a:latin typeface="Sentinel Light" panose="02000000000000000000" pitchFamily="50" charset="0"/>
+              </a:rPr>
+              <a:t>Is an ARIMA model an ideal estimator?</a:t>
+            </a:r>
+            <a:br>
+              <a:rPr lang="en-US" dirty="0">
+                <a:latin typeface="Sentinel Light" panose="02000000000000000000" pitchFamily="50" charset="0"/>
+              </a:rPr>
+            </a:br>
+            <a:endParaRPr lang="en-US" dirty="0"/>
+          </a:p>
+        </p:txBody>
+      </p:sp>
+      <p:pic>
+        <p:nvPicPr>
+          <p:cNvPr id="4" name="Content Placeholder 3">
+            <a:extLst>
+              <a:ext uri="{FF2B5EF4-FFF2-40B4-BE49-F238E27FC236}">
+                <a16:creationId xmlns:a16="http://schemas.microsoft.com/office/drawing/2014/main" id="{A3DB6C68-DE3C-4871-928E-BE2009D32CF3}"/>
+              </a:ext>
+            </a:extLst>
+          </p:cNvPr>
+          <p:cNvPicPr>
+            <a:picLocks noGrp="1"/>
+          </p:cNvPicPr>
+          <p:nvPr>
+            <p:ph idx="1"/>
+          </p:nvPr>
+        </p:nvPicPr>
+        <p:blipFill>
+          <a:blip r:embed="rId2"/>
+          <a:stretch>
+            <a:fillRect/>
+          </a:stretch>
+        </p:blipFill>
+        <p:spPr>
+          <a:xfrm>
+            <a:off x="838200" y="1458171"/>
+            <a:ext cx="5131969" cy="3518702"/>
+          </a:xfrm>
+          <a:prstGeom prst="rect">
+            <a:avLst/>
+          </a:prstGeom>
+          <a:noFill/>
+          <a:ln>
+            <a:noFill/>
+            <a:prstDash/>
+          </a:ln>
+        </p:spPr>
+      </p:pic>
+      <p:pic>
+        <p:nvPicPr>
+          <p:cNvPr id="5" name="Picture 4">
+            <a:extLst>
+              <a:ext uri="{FF2B5EF4-FFF2-40B4-BE49-F238E27FC236}">
+                <a16:creationId xmlns:a16="http://schemas.microsoft.com/office/drawing/2014/main" id="{4AE1BCED-C1B0-4AC3-A9F2-BE0B1AB776EB}"/>
+              </a:ext>
+            </a:extLst>
+          </p:cNvPr>
+          <p:cNvPicPr/>
+          <p:nvPr/>
+        </p:nvPicPr>
+        <p:blipFill>
+          <a:blip r:embed="rId3"/>
+          <a:stretch>
+            <a:fillRect/>
+          </a:stretch>
+        </p:blipFill>
+        <p:spPr>
+          <a:xfrm>
+            <a:off x="6096000" y="1460018"/>
+            <a:ext cx="5669902" cy="2934700"/>
+          </a:xfrm>
+          <a:prstGeom prst="rect">
+            <a:avLst/>
+          </a:prstGeom>
+          <a:noFill/>
+          <a:ln>
+            <a:noFill/>
+            <a:prstDash/>
+          </a:ln>
+        </p:spPr>
+      </p:pic>
+    </p:spTree>
+    <p:extLst>
+      <p:ext uri="{BB962C8B-B14F-4D97-AF65-F5344CB8AC3E}">
+        <p14:creationId xmlns:p14="http://schemas.microsoft.com/office/powerpoint/2010/main" val="3827725789"/>
+      </p:ext>
+    </p:extLst>
+  </p:cSld>
+  <p:clrMapOvr>
+    <a:masterClrMapping/>
+  </p:clrMapOvr>
+</p:sld>
+</file>
+
+<file path=ppt/slides/slide11.xml><?xml version="1.0" encoding="utf-8"?>
+<p:sld xmlns:a="http://schemas.openxmlformats.org/drawingml/2006/main" xmlns:r="http://schemas.openxmlformats.org/officeDocument/2006/relationships" xmlns:p="http://schemas.openxmlformats.org/presentationml/2006/main">
+  <p:cSld>
+    <p:spTree>
+      <p:nvGrpSpPr>
+        <p:cNvPr id="1" name=""/>
+        <p:cNvGrpSpPr/>
+        <p:nvPr/>
+      </p:nvGrpSpPr>
+      <p:grpSpPr>
+        <a:xfrm>
+          <a:off x="0" y="0"/>
+          <a:ext cx="0" cy="0"/>
+          <a:chOff x="0" y="0"/>
+          <a:chExt cx="0" cy="0"/>
+        </a:xfrm>
+      </p:grpSpPr>
+      <p:sp>
+        <p:nvSpPr>
+          <p:cNvPr id="2" name="Title 1">
+            <a:extLst>
+              <a:ext uri="{FF2B5EF4-FFF2-40B4-BE49-F238E27FC236}">
+                <a16:creationId xmlns:a16="http://schemas.microsoft.com/office/drawing/2014/main" id="{C9968C76-DE02-4A7A-AD74-281E3C777B27}"/>
+              </a:ext>
+            </a:extLst>
+          </p:cNvPr>
+          <p:cNvSpPr>
+            <a:spLocks noGrp="1"/>
+          </p:cNvSpPr>
+          <p:nvPr>
+            <p:ph type="title"/>
+          </p:nvPr>
+        </p:nvSpPr>
+        <p:spPr/>
+        <p:txBody>
+          <a:bodyPr/>
+          <a:lstStyle/>
+          <a:p>
+            <a:r>
+              <a:rPr lang="en-US" dirty="0"/>
+              <a:t>Results and Error of ARIMA model</a:t>
+            </a:r>
+          </a:p>
+        </p:txBody>
+      </p:sp>
+      <p:pic>
+        <p:nvPicPr>
+          <p:cNvPr id="4" name="Content Placeholder 3">
+            <a:extLst>
+              <a:ext uri="{FF2B5EF4-FFF2-40B4-BE49-F238E27FC236}">
+                <a16:creationId xmlns:a16="http://schemas.microsoft.com/office/drawing/2014/main" id="{F08E7C41-7110-4907-B90F-690866CC0457}"/>
+              </a:ext>
+            </a:extLst>
+          </p:cNvPr>
+          <p:cNvPicPr>
+            <a:picLocks noGrp="1"/>
+          </p:cNvPicPr>
+          <p:nvPr>
+            <p:ph idx="1"/>
+          </p:nvPr>
+        </p:nvPicPr>
+        <p:blipFill>
+          <a:blip r:embed="rId3"/>
+          <a:stretch>
+            <a:fillRect/>
+          </a:stretch>
+        </p:blipFill>
+        <p:spPr>
+          <a:xfrm>
+            <a:off x="838200" y="1939576"/>
+            <a:ext cx="5157375" cy="3658433"/>
+          </a:xfrm>
+          <a:prstGeom prst="rect">
+            <a:avLst/>
+          </a:prstGeom>
+          <a:noFill/>
+          <a:ln>
+            <a:noFill/>
+            <a:prstDash/>
+          </a:ln>
+        </p:spPr>
+      </p:pic>
+      <p:pic>
+        <p:nvPicPr>
+          <p:cNvPr id="5" name="Picture 4">
+            <a:extLst>
+              <a:ext uri="{FF2B5EF4-FFF2-40B4-BE49-F238E27FC236}">
+                <a16:creationId xmlns:a16="http://schemas.microsoft.com/office/drawing/2014/main" id="{AC414CA2-172A-4586-8010-BF08B0DDC38F}"/>
+              </a:ext>
+            </a:extLst>
+          </p:cNvPr>
+          <p:cNvPicPr/>
+          <p:nvPr/>
+        </p:nvPicPr>
+        <p:blipFill>
+          <a:blip r:embed="rId4"/>
+          <a:stretch>
+            <a:fillRect/>
+          </a:stretch>
+        </p:blipFill>
+        <p:spPr>
+          <a:xfrm>
+            <a:off x="6196427" y="1939575"/>
+            <a:ext cx="5336210" cy="3108285"/>
+          </a:xfrm>
+          <a:prstGeom prst="rect">
+            <a:avLst/>
+          </a:prstGeom>
+          <a:noFill/>
+          <a:ln>
+            <a:noFill/>
+            <a:prstDash/>
+          </a:ln>
+        </p:spPr>
+      </p:pic>
+    </p:spTree>
+    <p:extLst>
+      <p:ext uri="{BB962C8B-B14F-4D97-AF65-F5344CB8AC3E}">
+        <p14:creationId xmlns:p14="http://schemas.microsoft.com/office/powerpoint/2010/main" val="1310491920"/>
+      </p:ext>
+    </p:extLst>
+  </p:cSld>
+  <p:clrMapOvr>
+    <a:masterClrMapping/>
+  </p:clrMapOvr>
+</p:sld>
+</file>
+
+<file path=ppt/slides/slide12.xml><?xml version="1.0" encoding="utf-8"?>
+<p:sld xmlns:a="http://schemas.openxmlformats.org/drawingml/2006/main" xmlns:r="http://schemas.openxmlformats.org/officeDocument/2006/relationships" xmlns:p="http://schemas.openxmlformats.org/presentationml/2006/main">
+  <p:cSld>
+    <p:spTree>
+      <p:nvGrpSpPr>
+        <p:cNvPr id="1" name=""/>
+        <p:cNvGrpSpPr/>
+        <p:nvPr/>
+      </p:nvGrpSpPr>
+      <p:grpSpPr>
+        <a:xfrm>
+          <a:off x="0" y="0"/>
+          <a:ext cx="0" cy="0"/>
+          <a:chOff x="0" y="0"/>
+          <a:chExt cx="0" cy="0"/>
+        </a:xfrm>
+      </p:grpSpPr>
+      <p:sp>
+        <p:nvSpPr>
+          <p:cNvPr id="2" name="Title 1">
+            <a:extLst>
+              <a:ext uri="{FF2B5EF4-FFF2-40B4-BE49-F238E27FC236}">
+                <a16:creationId xmlns:a16="http://schemas.microsoft.com/office/drawing/2014/main" id="{ECC52BD1-E80F-4513-A8B8-93AFB26ED516}"/>
+              </a:ext>
+            </a:extLst>
+          </p:cNvPr>
+          <p:cNvSpPr>
+            <a:spLocks noGrp="1"/>
+          </p:cNvSpPr>
+          <p:nvPr>
+            <p:ph type="title"/>
+          </p:nvPr>
+        </p:nvSpPr>
+        <p:spPr/>
+        <p:txBody>
+          <a:bodyPr>
+            <a:normAutofit fontScale="90000"/>
+          </a:bodyPr>
+          <a:lstStyle/>
+          <a:p>
+            <a:r>
+              <a:rPr lang="en-US" dirty="0"/>
+              <a:t>Forecast and Looking forward</a:t>
+            </a:r>
+            <a:br>
+              <a:rPr lang="en-US" dirty="0"/>
+            </a:br>
+            <a:r>
+              <a:rPr lang="en-US" sz="2700" dirty="0"/>
+              <a:t>- Yes, demand does fluctuate by season. It decreases near the end of the year. </a:t>
+            </a:r>
+            <a:endParaRPr lang="en-US" dirty="0"/>
+          </a:p>
+        </p:txBody>
+      </p:sp>
+      <p:pic>
+        <p:nvPicPr>
+          <p:cNvPr id="4" name="Content Placeholder 3">
+            <a:extLst>
+              <a:ext uri="{FF2B5EF4-FFF2-40B4-BE49-F238E27FC236}">
+                <a16:creationId xmlns:a16="http://schemas.microsoft.com/office/drawing/2014/main" id="{6D2B4E76-1B2F-4DD0-9A36-56B691223D47}"/>
+              </a:ext>
+            </a:extLst>
+          </p:cNvPr>
+          <p:cNvPicPr>
+            <a:picLocks noGrp="1"/>
+          </p:cNvPicPr>
+          <p:nvPr>
+            <p:ph idx="1"/>
+          </p:nvPr>
+        </p:nvPicPr>
+        <p:blipFill>
+          <a:blip r:embed="rId2"/>
+          <a:stretch>
+            <a:fillRect/>
+          </a:stretch>
+        </p:blipFill>
+        <p:spPr>
+          <a:xfrm>
+            <a:off x="838200" y="1967891"/>
+            <a:ext cx="6157404" cy="4202090"/>
+          </a:xfrm>
+          <a:prstGeom prst="rect">
+            <a:avLst/>
+          </a:prstGeom>
+          <a:noFill/>
+          <a:ln>
+            <a:noFill/>
+            <a:prstDash/>
+          </a:ln>
+        </p:spPr>
+      </p:pic>
+    </p:spTree>
+    <p:extLst>
+      <p:ext uri="{BB962C8B-B14F-4D97-AF65-F5344CB8AC3E}">
+        <p14:creationId xmlns:p14="http://schemas.microsoft.com/office/powerpoint/2010/main" val="1418901840"/>
+      </p:ext>
+    </p:extLst>
+  </p:cSld>
+  <p:clrMapOvr>
+    <a:masterClrMapping/>
+  </p:clrMapOvr>
 </p:sld>
 </file>
 
@@ -3084,14 +3948,11 @@
           <a:lstStyle/>
           <a:p>
             <a:r>
-              <a:rPr lang="en-US" dirty="0" smtClean="0">
+              <a:rPr lang="en-US" dirty="0">
                 <a:latin typeface="Sentinel Light" panose="02000000000000000000" pitchFamily="50" charset="0"/>
               </a:rPr>
               <a:t>Agenda</a:t>
             </a:r>
-            <a:endParaRPr lang="en-US" dirty="0">
-              <a:latin typeface="Sentinel Light" panose="02000000000000000000" pitchFamily="50" charset="0"/>
-            </a:endParaRPr>
           </a:p>
         </p:txBody>
       </p:sp>
@@ -3114,7 +3975,7 @@
               <a:rPr lang="en-US" dirty="0">
                 <a:latin typeface="Sentinel Light" panose="02000000000000000000" pitchFamily="50" charset="0"/>
               </a:rPr>
-              <a:t>What data have you gathered, and how did you gather it?</a:t>
+              <a:t>Research Question</a:t>
             </a:r>
           </a:p>
           <a:p>
@@ -3122,7 +3983,7 @@
               <a:rPr lang="en-US" dirty="0">
                 <a:latin typeface="Sentinel Light" panose="02000000000000000000" pitchFamily="50" charset="0"/>
               </a:rPr>
-              <a:t>Which areas of the data have you cleaned, and which areas still need cleaning?</a:t>
+              <a:t>Data preparation</a:t>
             </a:r>
           </a:p>
           <a:p>
@@ -3130,7 +3991,7 @@
               <a:rPr lang="en-US" dirty="0">
                 <a:latin typeface="Sentinel Light" panose="02000000000000000000" pitchFamily="50" charset="0"/>
               </a:rPr>
-              <a:t>What steps have you taken to explore the data?</a:t>
+              <a:t>Data Cleaning and wrangling</a:t>
             </a:r>
           </a:p>
           <a:p>
@@ -3138,7 +3999,7 @@
               <a:rPr lang="en-US" dirty="0">
                 <a:latin typeface="Sentinel Light" panose="02000000000000000000" pitchFamily="50" charset="0"/>
               </a:rPr>
-              <a:t>What insights have you gained from your exploration?</a:t>
+              <a:t>Exploratory analysis</a:t>
             </a:r>
           </a:p>
           <a:p>
@@ -3146,18 +4007,13 @@
               <a:rPr lang="en-US" dirty="0">
                 <a:latin typeface="Sentinel Light" panose="02000000000000000000" pitchFamily="50" charset="0"/>
               </a:rPr>
-              <a:t>Will you be able to answer your question with this data, or do you need to gather more data (or adjust your question)?</a:t>
-            </a:r>
-          </a:p>
-          <a:p>
-            <a:r>
-              <a:rPr lang="en-US" dirty="0">
-                <a:latin typeface="Sentinel Light" panose="02000000000000000000" pitchFamily="50" charset="0"/>
-              </a:rPr>
-              <a:t>How might you use modeling to answer your question?</a:t>
-            </a:r>
-          </a:p>
-          <a:p>
+              <a:t>Model</a:t>
+            </a:r>
+          </a:p>
+          <a:p>
+            <a:pPr marL="0" indent="0">
+              <a:buNone/>
+            </a:pPr>
             <a:endParaRPr lang="en-US" dirty="0"/>
           </a:p>
         </p:txBody>
@@ -3172,13 +4028,6 @@
   <p:clrMapOvr>
     <a:masterClrMapping/>
   </p:clrMapOvr>
-  <p:timing>
-    <p:tnLst>
-      <p:par>
-        <p:cTn id="1" dur="indefinite" restart="never" nodeType="tmRoot"/>
-      </p:par>
-    </p:tnLst>
-  </p:timing>
 </p:sld>
 </file>
 
@@ -3217,13 +4066,13 @@
           <a:lstStyle/>
           <a:p>
             <a:r>
-              <a:rPr lang="en-US" dirty="0" smtClean="0">
+              <a:rPr lang="en-US" dirty="0">
                 <a:latin typeface="Sentinel Light" panose="02000000000000000000" pitchFamily="50" charset="0"/>
               </a:rPr>
               <a:t>Research Question</a:t>
             </a:r>
             <a:br>
-              <a:rPr lang="en-US" dirty="0" smtClean="0">
+              <a:rPr lang="en-US" dirty="0">
                 <a:latin typeface="Sentinel Light" panose="02000000000000000000" pitchFamily="50" charset="0"/>
               </a:rPr>
             </a:br>
@@ -3247,32 +4096,20 @@
           <a:lstStyle/>
           <a:p>
             <a:r>
-              <a:rPr lang="en-US" dirty="0" smtClean="0">
-                <a:latin typeface="Sentinel Light" panose="02000000000000000000" pitchFamily="50" charset="0"/>
-              </a:rPr>
-              <a:t>How much does green taxi demand fluctuate according to </a:t>
-            </a:r>
-            <a:r>
-              <a:rPr lang="en-US" dirty="0" smtClean="0">
-                <a:latin typeface="Sentinel Light" panose="02000000000000000000" pitchFamily="50" charset="0"/>
-              </a:rPr>
-              <a:t>season and can we predict demand?</a:t>
-            </a:r>
-            <a:endParaRPr lang="en-US" dirty="0" smtClean="0">
-              <a:latin typeface="Sentinel Light" panose="02000000000000000000" pitchFamily="50" charset="0"/>
-            </a:endParaRPr>
+              <a:rPr lang="en-US" dirty="0">
+                <a:latin typeface="Sentinel Light" panose="02000000000000000000" pitchFamily="50" charset="0"/>
+              </a:rPr>
+              <a:t>How much does green taxi demand fluctuate according to season and can we predict demand?</a:t>
+            </a:r>
           </a:p>
           <a:p>
             <a:pPr lvl="1"/>
             <a:r>
-              <a:rPr lang="en-US" dirty="0" smtClean="0">
+              <a:rPr lang="en-US" dirty="0">
                 <a:latin typeface="Sentinel Light" panose="02000000000000000000" pitchFamily="50" charset="0"/>
               </a:rPr>
               <a:t>Based on the time of year do people hail rides more or less?</a:t>
             </a:r>
-            <a:endParaRPr lang="en-US" dirty="0">
-              <a:latin typeface="Sentinel Light" panose="02000000000000000000" pitchFamily="50" charset="0"/>
-            </a:endParaRPr>
           </a:p>
         </p:txBody>
       </p:sp>
@@ -3286,13 +4123,6 @@
   <p:clrMapOvr>
     <a:masterClrMapping/>
   </p:clrMapOvr>
-  <p:timing>
-    <p:tnLst>
-      <p:par>
-        <p:cTn id="1" dur="indefinite" restart="never" nodeType="tmRoot"/>
-      </p:par>
-    </p:tnLst>
-  </p:timing>
 </p:sld>
 </file>
 
@@ -3331,13 +4161,13 @@
           <a:lstStyle/>
           <a:p>
             <a:r>
-              <a:rPr lang="en-US" dirty="0" smtClean="0">
+              <a:rPr lang="en-US" dirty="0">
                 <a:latin typeface="Sentinel Light" panose="02000000000000000000" pitchFamily="50" charset="0"/>
               </a:rPr>
               <a:t>What data have you gathered, and how did you gather it?</a:t>
             </a:r>
             <a:br>
-              <a:rPr lang="en-US" dirty="0" smtClean="0">
+              <a:rPr lang="en-US" dirty="0">
                 <a:latin typeface="Sentinel Light" panose="02000000000000000000" pitchFamily="50" charset="0"/>
               </a:rPr>
             </a:br>
@@ -3361,7 +4191,7 @@
           <a:lstStyle/>
           <a:p>
             <a:r>
-              <a:rPr lang="en-US" dirty="0" smtClean="0">
+              <a:rPr lang="en-US" dirty="0">
                 <a:latin typeface="Sentinel Light" panose="02000000000000000000" pitchFamily="50" charset="0"/>
               </a:rPr>
               <a:t>Downloaded 2016 Green Taxi data from the NYC Open data website. </a:t>
@@ -3370,16 +4200,10 @@
           <a:p>
             <a:pPr lvl="1"/>
             <a:r>
-              <a:rPr lang="en-US" dirty="0" smtClean="0">
-                <a:latin typeface="Sentinel Light" panose="02000000000000000000" pitchFamily="50" charset="0"/>
-              </a:rPr>
-              <a:t>Data is published by the New York Taxi and Limousine </a:t>
-            </a:r>
-            <a:r>
-              <a:rPr lang="en-US" dirty="0" smtClean="0">
-                <a:latin typeface="Sentinel Light" panose="02000000000000000000" pitchFamily="50" charset="0"/>
-              </a:rPr>
-              <a:t>Commission</a:t>
+              <a:rPr lang="en-US" dirty="0">
+                <a:latin typeface="Sentinel Light" panose="02000000000000000000" pitchFamily="50" charset="0"/>
+              </a:rPr>
+              <a:t>Data is published by the New York Taxi and Limousine Commission</a:t>
             </a:r>
           </a:p>
           <a:p>
@@ -3390,39 +4214,24 @@
               </a:rPr>
               <a:t>Source: https://data.cityofnewyork.us/Transportation/2016-Green-Taxi-Trip-Data/hvrh-b6nb</a:t>
             </a:r>
-            <a:endParaRPr lang="en-US" dirty="0" smtClean="0">
-              <a:latin typeface="Sentinel Light" panose="02000000000000000000" pitchFamily="50" charset="0"/>
-            </a:endParaRPr>
-          </a:p>
-          <a:p>
-            <a:r>
-              <a:rPr lang="en-US" dirty="0" smtClean="0">
-                <a:latin typeface="Sentinel Light" panose="02000000000000000000" pitchFamily="50" charset="0"/>
-              </a:rPr>
-              <a:t>Green Taxi’s service the </a:t>
-            </a:r>
-            <a:r>
-              <a:rPr lang="en-US" dirty="0" smtClean="0">
-                <a:latin typeface="Sentinel Light" panose="02000000000000000000" pitchFamily="50" charset="0"/>
-              </a:rPr>
-              <a:t>Borough's </a:t>
-            </a:r>
-            <a:r>
-              <a:rPr lang="en-US" dirty="0" smtClean="0">
-                <a:latin typeface="Sentinel Light" panose="02000000000000000000" pitchFamily="50" charset="0"/>
-              </a:rPr>
-              <a:t>and not Manhattan (yellow taxi’s). </a:t>
-            </a:r>
-          </a:p>
-          <a:p>
-            <a:r>
-              <a:rPr lang="en-US" dirty="0" smtClean="0">
+          </a:p>
+          <a:p>
+            <a:r>
+              <a:rPr lang="en-US" dirty="0">
+                <a:latin typeface="Sentinel Light" panose="02000000000000000000" pitchFamily="50" charset="0"/>
+              </a:rPr>
+              <a:t>Green Taxi’s service the Borough's and not Manhattan (yellow taxi’s). </a:t>
+            </a:r>
+          </a:p>
+          <a:p>
+            <a:r>
+              <a:rPr lang="en-US" dirty="0">
                 <a:latin typeface="Sentinel Light" panose="02000000000000000000" pitchFamily="50" charset="0"/>
               </a:rPr>
               <a:t>Uploaded as a CSV into </a:t>
             </a:r>
             <a:r>
-              <a:rPr lang="en-US" dirty="0" err="1" smtClean="0">
+              <a:rPr lang="en-US" dirty="0" err="1">
                 <a:latin typeface="Sentinel Light" panose="02000000000000000000" pitchFamily="50" charset="0"/>
               </a:rPr>
               <a:t>Spyder</a:t>
@@ -3443,13 +4252,6 @@
   <p:clrMapOvr>
     <a:masterClrMapping/>
   </p:clrMapOvr>
-  <p:timing>
-    <p:tnLst>
-      <p:par>
-        <p:cTn id="1" dur="indefinite" restart="never" nodeType="tmRoot"/>
-      </p:par>
-    </p:tnLst>
-  </p:timing>
 </p:sld>
 </file>
 
@@ -3483,18 +4285,18 @@
         <p:spPr/>
         <p:txBody>
           <a:bodyPr>
-            <a:normAutofit fontScale="90000"/>
+            <a:normAutofit/>
           </a:bodyPr>
           <a:lstStyle/>
           <a:p>
             <a:r>
-              <a:rPr lang="en-US" dirty="0" smtClean="0">
-                <a:latin typeface="Sentinel Light" panose="02000000000000000000" pitchFamily="50" charset="0"/>
-              </a:rPr>
-              <a:t>Which areas of the data have you cleaned, and which areas still need cleaning?</a:t>
+              <a:rPr lang="en-US" dirty="0">
+                <a:latin typeface="Sentinel Light" panose="02000000000000000000" pitchFamily="50" charset="0"/>
+              </a:rPr>
+              <a:t>Cleaning the data</a:t>
             </a:r>
             <a:br>
-              <a:rPr lang="en-US" dirty="0" smtClean="0">
+              <a:rPr lang="en-US" dirty="0">
                 <a:latin typeface="Sentinel Light" panose="02000000000000000000" pitchFamily="50" charset="0"/>
               </a:rPr>
             </a:br>
@@ -3514,69 +4316,96 @@
         </p:nvSpPr>
         <p:spPr/>
         <p:txBody>
-          <a:bodyPr/>
-          <a:lstStyle/>
-          <a:p>
-            <a:r>
-              <a:rPr lang="en-US" dirty="0" smtClean="0">
-                <a:latin typeface="Sentinel Light" panose="02000000000000000000" pitchFamily="50" charset="0"/>
-              </a:rPr>
-              <a:t>Cleaned the data to only include successful trips. </a:t>
-            </a:r>
-            <a:endParaRPr lang="en-US" dirty="0">
-              <a:latin typeface="Sentinel Light" panose="02000000000000000000" pitchFamily="50" charset="0"/>
-            </a:endParaRPr>
-          </a:p>
-          <a:p>
-            <a:pPr lvl="1"/>
-            <a:r>
-              <a:rPr lang="en-US" dirty="0" smtClean="0">
-                <a:latin typeface="Sentinel Light" panose="02000000000000000000" pitchFamily="50" charset="0"/>
-              </a:rPr>
-              <a:t>Successful trips have a pick up and drop off time. </a:t>
-            </a:r>
-          </a:p>
-          <a:p>
-            <a:r>
-              <a:rPr lang="en-US" dirty="0" smtClean="0">
-                <a:latin typeface="Sentinel Light" panose="02000000000000000000" pitchFamily="50" charset="0"/>
-              </a:rPr>
-              <a:t>Convert dates to </a:t>
-            </a:r>
-            <a:r>
-              <a:rPr lang="en-US" dirty="0" err="1" smtClean="0">
-                <a:latin typeface="Sentinel Light" panose="02000000000000000000" pitchFamily="50" charset="0"/>
-              </a:rPr>
-              <a:t>datetime</a:t>
-            </a:r>
-            <a:endParaRPr lang="en-US" dirty="0" smtClean="0">
-              <a:latin typeface="Sentinel Light" panose="02000000000000000000" pitchFamily="50" charset="0"/>
-            </a:endParaRPr>
-          </a:p>
-          <a:p>
-            <a:r>
-              <a:rPr lang="en-US" dirty="0" smtClean="0">
-                <a:latin typeface="Sentinel Light" panose="02000000000000000000" pitchFamily="50" charset="0"/>
-              </a:rPr>
-              <a:t>Aggregating to day and/or hour. </a:t>
-            </a:r>
-          </a:p>
-          <a:p>
-            <a:r>
-              <a:rPr lang="en-US" dirty="0" err="1" smtClean="0">
-                <a:latin typeface="Sentinel Light" panose="02000000000000000000" pitchFamily="50" charset="0"/>
-              </a:rPr>
-              <a:t>Subsetting</a:t>
-            </a:r>
-            <a:r>
-              <a:rPr lang="en-US" dirty="0" smtClean="0">
-                <a:latin typeface="Sentinel Light" panose="02000000000000000000" pitchFamily="50" charset="0"/>
-              </a:rPr>
-              <a:t> by month</a:t>
-            </a:r>
-            <a:endParaRPr lang="en-US" dirty="0">
-              <a:latin typeface="Sentinel Light" panose="02000000000000000000" pitchFamily="50" charset="0"/>
-            </a:endParaRPr>
+          <a:bodyPr>
+            <a:normAutofit lnSpcReduction="10000"/>
+          </a:bodyPr>
+          <a:lstStyle/>
+          <a:p>
+            <a:pPr lvl="0"/>
+            <a:r>
+              <a:rPr lang="en-US" dirty="0">
+                <a:latin typeface="Sentinel Light" panose="02000000000000000000" pitchFamily="50" charset="0"/>
+              </a:rPr>
+              <a:t>Parse date from datetime field</a:t>
+            </a:r>
+          </a:p>
+          <a:p>
+            <a:pPr lvl="0"/>
+            <a:r>
+              <a:rPr lang="en-US" dirty="0">
+                <a:latin typeface="Sentinel Light" panose="02000000000000000000" pitchFamily="50" charset="0"/>
+              </a:rPr>
+              <a:t>Create a response variable, which is where a pickup and </a:t>
+            </a:r>
+            <a:r>
+              <a:rPr lang="en-US" dirty="0" err="1">
+                <a:latin typeface="Sentinel Light" panose="02000000000000000000" pitchFamily="50" charset="0"/>
+              </a:rPr>
+              <a:t>dropoff</a:t>
+            </a:r>
+            <a:r>
+              <a:rPr lang="en-US" dirty="0">
+                <a:latin typeface="Sentinel Light" panose="02000000000000000000" pitchFamily="50" charset="0"/>
+              </a:rPr>
+              <a:t> datetime are present.</a:t>
+            </a:r>
+          </a:p>
+          <a:p>
+            <a:pPr lvl="0"/>
+            <a:r>
+              <a:rPr lang="en-US" dirty="0">
+                <a:latin typeface="Sentinel Light" panose="02000000000000000000" pitchFamily="50" charset="0"/>
+              </a:rPr>
+              <a:t>Check for a discrepancy between column values.</a:t>
+            </a:r>
+          </a:p>
+          <a:p>
+            <a:pPr lvl="0"/>
+            <a:r>
+              <a:rPr lang="en-US" dirty="0">
+                <a:latin typeface="Sentinel Light" panose="02000000000000000000" pitchFamily="50" charset="0"/>
+              </a:rPr>
+              <a:t>Parse the day and month from the datetime field.</a:t>
+            </a:r>
+          </a:p>
+          <a:p>
+            <a:pPr lvl="0"/>
+            <a:r>
+              <a:rPr lang="en-US" dirty="0">
+                <a:latin typeface="Sentinel Light" panose="02000000000000000000" pitchFamily="50" charset="0"/>
+              </a:rPr>
+              <a:t>Convert passenger count, trip distance, revenue, and response variable to numeric.</a:t>
+            </a:r>
+          </a:p>
+          <a:p>
+            <a:pPr lvl="0"/>
+            <a:r>
+              <a:rPr lang="en-US" dirty="0">
+                <a:latin typeface="Sentinel Light" panose="02000000000000000000" pitchFamily="50" charset="0"/>
+              </a:rPr>
+              <a:t>Aggregate data by day, which reduces the row count from 16.3M to 355 rows.</a:t>
+            </a:r>
+          </a:p>
+          <a:p>
+            <a:pPr lvl="0"/>
+            <a:r>
+              <a:rPr lang="en-US" dirty="0">
+                <a:latin typeface="Sentinel Light" panose="02000000000000000000" pitchFamily="50" charset="0"/>
+              </a:rPr>
+              <a:t>Convert ‘</a:t>
+            </a:r>
+            <a:r>
+              <a:rPr lang="en-US" dirty="0" err="1">
+                <a:latin typeface="Sentinel Light" panose="02000000000000000000" pitchFamily="50" charset="0"/>
+              </a:rPr>
+              <a:t>pickup_timestamp</a:t>
+            </a:r>
+            <a:r>
+              <a:rPr lang="en-US" dirty="0">
+                <a:latin typeface="Sentinel Light" panose="02000000000000000000" pitchFamily="50" charset="0"/>
+              </a:rPr>
+              <a:t>’ to datetime and set it as the index</a:t>
+            </a:r>
           </a:p>
         </p:txBody>
       </p:sp>
@@ -3590,13 +4419,6 @@
   <p:clrMapOvr>
     <a:masterClrMapping/>
   </p:clrMapOvr>
-  <p:timing>
-    <p:tnLst>
-      <p:par>
-        <p:cTn id="1" dur="indefinite" restart="never" nodeType="tmRoot"/>
-      </p:par>
-    </p:tnLst>
-  </p:timing>
 </p:sld>
 </file>
 
@@ -3635,13 +4457,13 @@
           <a:lstStyle/>
           <a:p>
             <a:r>
-              <a:rPr lang="en-US" dirty="0" smtClean="0">
+              <a:rPr lang="en-US" dirty="0">
                 <a:latin typeface="Sentinel Light" panose="02000000000000000000" pitchFamily="50" charset="0"/>
               </a:rPr>
               <a:t>What steps have you taken to explore the data?</a:t>
             </a:r>
             <a:br>
-              <a:rPr lang="en-US" dirty="0" smtClean="0">
+              <a:rPr lang="en-US" dirty="0">
                 <a:latin typeface="Sentinel Light" panose="02000000000000000000" pitchFamily="50" charset="0"/>
               </a:rPr>
             </a:br>
@@ -3705,6 +4527,23 @@
               </a:rPr>
               <a:t>i.e. where is Longitude positive?</a:t>
             </a:r>
+          </a:p>
+          <a:p>
+            <a:r>
+              <a:rPr lang="en-US" sz="2400" dirty="0">
+                <a:latin typeface="Sentinel Light" panose="02000000000000000000" pitchFamily="50" charset="0"/>
+                <a:ea typeface="+mj-ea"/>
+                <a:cs typeface="+mj-cs"/>
+              </a:rPr>
+              <a:t>Check for stationarity</a:t>
+            </a:r>
+          </a:p>
+          <a:p>
+            <a:endParaRPr lang="en-US" dirty="0">
+              <a:latin typeface="Sentinel Light" panose="02000000000000000000" pitchFamily="50" charset="0"/>
+              <a:ea typeface="+mj-ea"/>
+              <a:cs typeface="+mj-cs"/>
+            </a:endParaRPr>
           </a:p>
         </p:txBody>
       </p:sp>
@@ -3718,13 +4557,6 @@
   <p:clrMapOvr>
     <a:masterClrMapping/>
   </p:clrMapOvr>
-  <p:timing>
-    <p:tnLst>
-      <p:par>
-        <p:cTn id="1" dur="indefinite" restart="never" nodeType="tmRoot"/>
-      </p:par>
-    </p:tnLst>
-  </p:timing>
 </p:sld>
 </file>
 
@@ -3747,7 +4579,13 @@
       </p:grpSpPr>
       <p:sp>
         <p:nvSpPr>
-          <p:cNvPr id="2" name="Title 1"/>
+          <p:cNvPr id="2" name="Title 1">
+            <a:extLst>
+              <a:ext uri="{FF2B5EF4-FFF2-40B4-BE49-F238E27FC236}">
+                <a16:creationId xmlns:a16="http://schemas.microsoft.com/office/drawing/2014/main" id="{6E6081E9-94C5-4FD6-AC88-6D41D6B8B1C4}"/>
+              </a:ext>
+            </a:extLst>
+          </p:cNvPr>
           <p:cNvSpPr>
             <a:spLocks noGrp="1"/>
           </p:cNvSpPr>
@@ -3757,72 +4595,63 @@
         </p:nvSpPr>
         <p:spPr/>
         <p:txBody>
-          <a:bodyPr>
-            <a:normAutofit fontScale="90000"/>
-          </a:bodyPr>
-          <a:lstStyle/>
-          <a:p>
-            <a:r>
-              <a:rPr lang="en-US" dirty="0" smtClean="0">
-                <a:latin typeface="Sentinel Light" panose="02000000000000000000" pitchFamily="50" charset="0"/>
-              </a:rPr>
-              <a:t>Will you be able to answer your question with this data, or do you need to gather more data (or adjust your question)?</a:t>
-            </a:r>
-            <a:br>
-              <a:rPr lang="en-US" dirty="0" smtClean="0">
-                <a:latin typeface="Sentinel Light" panose="02000000000000000000" pitchFamily="50" charset="0"/>
-              </a:rPr>
-            </a:br>
-            <a:endParaRPr lang="en-US" dirty="0"/>
-          </a:p>
-        </p:txBody>
-      </p:sp>
-      <p:sp>
-        <p:nvSpPr>
-          <p:cNvPr id="3" name="Content Placeholder 2"/>
-          <p:cNvSpPr>
-            <a:spLocks noGrp="1"/>
-          </p:cNvSpPr>
+          <a:bodyPr/>
+          <a:lstStyle/>
+          <a:p>
+            <a:r>
+              <a:rPr lang="en-US" dirty="0"/>
+              <a:t>Trends in the raw data</a:t>
+            </a:r>
+          </a:p>
+        </p:txBody>
+      </p:sp>
+      <p:pic>
+        <p:nvPicPr>
+          <p:cNvPr id="4" name="Content Placeholder 3">
+            <a:extLst>
+              <a:ext uri="{FF2B5EF4-FFF2-40B4-BE49-F238E27FC236}">
+                <a16:creationId xmlns:a16="http://schemas.microsoft.com/office/drawing/2014/main" id="{E07B9390-E63B-4134-B7FC-24AF8296FD3B}"/>
+              </a:ext>
+            </a:extLst>
+          </p:cNvPr>
+          <p:cNvPicPr>
+            <a:picLocks noGrp="1"/>
+          </p:cNvPicPr>
           <p:nvPr>
             <p:ph idx="1"/>
           </p:nvPr>
-        </p:nvSpPr>
-        <p:spPr/>
-        <p:txBody>
-          <a:bodyPr>
-            <a:normAutofit/>
-          </a:bodyPr>
-          <a:lstStyle/>
-          <a:p>
-            <a:r>
-              <a:rPr lang="en-US" sz="2400" dirty="0" smtClean="0">
-                <a:latin typeface="Sentinel Light" panose="02000000000000000000" pitchFamily="50" charset="0"/>
-              </a:rPr>
-              <a:t>Yes, the dataset appears to be suitable</a:t>
-            </a:r>
-            <a:endParaRPr lang="en-US" sz="2400" dirty="0">
-              <a:latin typeface="Sentinel Light" panose="02000000000000000000" pitchFamily="50" charset="0"/>
-            </a:endParaRPr>
-          </a:p>
-        </p:txBody>
-      </p:sp>
+        </p:nvPicPr>
+        <p:blipFill>
+          <a:blip r:embed="rId2"/>
+          <a:stretch>
+            <a:fillRect/>
+          </a:stretch>
+        </p:blipFill>
+        <p:spPr>
+          <a:xfrm>
+            <a:off x="838200" y="1878836"/>
+            <a:ext cx="8707016" cy="4493972"/>
+          </a:xfrm>
+          <a:prstGeom prst="rect">
+            <a:avLst/>
+          </a:prstGeom>
+          <a:noFill/>
+          <a:ln>
+            <a:noFill/>
+            <a:prstDash/>
+          </a:ln>
+        </p:spPr>
+      </p:pic>
     </p:spTree>
     <p:extLst>
       <p:ext uri="{BB962C8B-B14F-4D97-AF65-F5344CB8AC3E}">
-        <p14:creationId xmlns:p14="http://schemas.microsoft.com/office/powerpoint/2010/main" val="3992968197"/>
+        <p14:creationId xmlns:p14="http://schemas.microsoft.com/office/powerpoint/2010/main" val="179050500"/>
       </p:ext>
     </p:extLst>
   </p:cSld>
   <p:clrMapOvr>
     <a:masterClrMapping/>
   </p:clrMapOvr>
-  <p:timing>
-    <p:tnLst>
-      <p:par>
-        <p:cTn id="1" dur="indefinite" restart="never" nodeType="tmRoot"/>
-      </p:par>
-    </p:tnLst>
-  </p:timing>
 </p:sld>
 </file>
 
@@ -3856,18 +4685,18 @@
         <p:spPr/>
         <p:txBody>
           <a:bodyPr>
-            <a:normAutofit fontScale="90000"/>
+            <a:normAutofit/>
           </a:bodyPr>
           <a:lstStyle/>
           <a:p>
             <a:r>
-              <a:rPr lang="en-US" dirty="0" smtClean="0">
-                <a:latin typeface="Sentinel Light" panose="02000000000000000000" pitchFamily="50" charset="0"/>
-              </a:rPr>
-              <a:t>What insights have you gained from your exploration?</a:t>
+              <a:rPr lang="en-US" dirty="0">
+                <a:latin typeface="Sentinel Light" panose="02000000000000000000" pitchFamily="50" charset="0"/>
+              </a:rPr>
+              <a:t>How appropriate is the data?</a:t>
             </a:r>
             <a:br>
-              <a:rPr lang="en-US" dirty="0" smtClean="0">
+              <a:rPr lang="en-US" dirty="0">
                 <a:latin typeface="Sentinel Light" panose="02000000000000000000" pitchFamily="50" charset="0"/>
               </a:rPr>
             </a:br>
@@ -3887,152 +4716,30 @@
         </p:nvSpPr>
         <p:spPr/>
         <p:txBody>
-          <a:bodyPr/>
+          <a:bodyPr>
+            <a:normAutofit/>
+          </a:bodyPr>
           <a:lstStyle/>
           <a:p>
             <a:r>
               <a:rPr lang="en-US" sz="2400" dirty="0">
                 <a:latin typeface="Sentinel Light" panose="02000000000000000000" pitchFamily="50" charset="0"/>
-                <a:ea typeface="+mj-ea"/>
-                <a:cs typeface="+mj-cs"/>
-              </a:rPr>
-              <a:t>The dataset is fairly clean</a:t>
-            </a:r>
-          </a:p>
-          <a:p>
-            <a:r>
-              <a:rPr lang="en-US" sz="2400" dirty="0">
-                <a:latin typeface="Sentinel Light" panose="02000000000000000000" pitchFamily="50" charset="0"/>
-                <a:ea typeface="+mj-ea"/>
-                <a:cs typeface="+mj-cs"/>
-              </a:rPr>
-              <a:t>Missing 7M pickup &amp; </a:t>
-            </a:r>
-            <a:r>
-              <a:rPr lang="en-US" sz="2400" dirty="0" err="1">
-                <a:latin typeface="Sentinel Light" panose="02000000000000000000" pitchFamily="50" charset="0"/>
-                <a:ea typeface="+mj-ea"/>
-                <a:cs typeface="+mj-cs"/>
-              </a:rPr>
-              <a:t>dropoff</a:t>
-            </a:r>
-            <a:r>
-              <a:rPr lang="en-US" sz="2400" dirty="0">
-                <a:latin typeface="Sentinel Light" panose="02000000000000000000" pitchFamily="50" charset="0"/>
-                <a:ea typeface="+mj-ea"/>
-                <a:cs typeface="+mj-cs"/>
-              </a:rPr>
-              <a:t> </a:t>
-            </a:r>
-            <a:r>
-              <a:rPr lang="en-US" sz="2400" dirty="0" err="1">
-                <a:latin typeface="Sentinel Light" panose="02000000000000000000" pitchFamily="50" charset="0"/>
-                <a:ea typeface="+mj-ea"/>
-                <a:cs typeface="+mj-cs"/>
-              </a:rPr>
-              <a:t>Lat</a:t>
-            </a:r>
-            <a:r>
-              <a:rPr lang="en-US" sz="2400" dirty="0">
-                <a:latin typeface="Sentinel Light" panose="02000000000000000000" pitchFamily="50" charset="0"/>
-                <a:ea typeface="+mj-ea"/>
-                <a:cs typeface="+mj-cs"/>
-              </a:rPr>
-              <a:t> and Longs when compared to the response variable</a:t>
-            </a:r>
-          </a:p>
-          <a:p>
-            <a:r>
-              <a:rPr lang="en-US" sz="2400" dirty="0">
-                <a:latin typeface="Sentinel Light" panose="02000000000000000000" pitchFamily="50" charset="0"/>
-                <a:ea typeface="+mj-ea"/>
-                <a:cs typeface="+mj-cs"/>
-              </a:rPr>
-              <a:t>The </a:t>
-            </a:r>
-            <a:r>
-              <a:rPr lang="en-US" sz="2400" dirty="0" smtClean="0">
-                <a:latin typeface="Sentinel Light" panose="02000000000000000000" pitchFamily="50" charset="0"/>
-                <a:ea typeface="+mj-ea"/>
-                <a:cs typeface="+mj-cs"/>
-              </a:rPr>
-              <a:t>latitude </a:t>
-            </a:r>
-            <a:r>
-              <a:rPr lang="en-US" sz="2400" dirty="0">
-                <a:latin typeface="Sentinel Light" panose="02000000000000000000" pitchFamily="50" charset="0"/>
-                <a:ea typeface="+mj-ea"/>
-                <a:cs typeface="+mj-cs"/>
-              </a:rPr>
-              <a:t>and </a:t>
-            </a:r>
-            <a:r>
-              <a:rPr lang="en-US" sz="2400" dirty="0" smtClean="0">
-                <a:latin typeface="Sentinel Light" panose="02000000000000000000" pitchFamily="50" charset="0"/>
-                <a:ea typeface="+mj-ea"/>
-                <a:cs typeface="+mj-cs"/>
-              </a:rPr>
-              <a:t>longitude </a:t>
-            </a:r>
-            <a:r>
-              <a:rPr lang="en-US" sz="2400" dirty="0">
-                <a:latin typeface="Sentinel Light" panose="02000000000000000000" pitchFamily="50" charset="0"/>
-                <a:ea typeface="+mj-ea"/>
-                <a:cs typeface="+mj-cs"/>
-              </a:rPr>
-              <a:t>fields all move in-sync. </a:t>
-            </a:r>
-          </a:p>
-          <a:p>
-            <a:r>
-              <a:rPr lang="en-US" sz="2400" dirty="0">
-                <a:latin typeface="Sentinel Light" panose="02000000000000000000" pitchFamily="50" charset="0"/>
-                <a:ea typeface="+mj-ea"/>
-                <a:cs typeface="+mj-cs"/>
-              </a:rPr>
-              <a:t>The rest of the columns move in sync with pickup and </a:t>
-            </a:r>
-            <a:r>
-              <a:rPr lang="en-US" sz="2400" dirty="0" err="1">
-                <a:latin typeface="Sentinel Light" panose="02000000000000000000" pitchFamily="50" charset="0"/>
-                <a:ea typeface="+mj-ea"/>
-                <a:cs typeface="+mj-cs"/>
-              </a:rPr>
-              <a:t>dropoff</a:t>
-            </a:r>
-            <a:r>
-              <a:rPr lang="en-US" sz="2400" dirty="0">
-                <a:latin typeface="Sentinel Light" panose="02000000000000000000" pitchFamily="50" charset="0"/>
-                <a:ea typeface="+mj-ea"/>
-                <a:cs typeface="+mj-cs"/>
-              </a:rPr>
-              <a:t> times</a:t>
-            </a:r>
-            <a:r>
-              <a:rPr lang="en-US" dirty="0" smtClean="0"/>
-              <a:t>.  </a:t>
-            </a:r>
-            <a:endParaRPr lang="en-US" dirty="0"/>
+              </a:rPr>
+              <a:t>Yes, the dataset appears to be suitable</a:t>
+            </a:r>
           </a:p>
         </p:txBody>
       </p:sp>
     </p:spTree>
     <p:extLst>
       <p:ext uri="{BB962C8B-B14F-4D97-AF65-F5344CB8AC3E}">
-        <p14:creationId xmlns:p14="http://schemas.microsoft.com/office/powerpoint/2010/main" val="744568929"/>
+        <p14:creationId xmlns:p14="http://schemas.microsoft.com/office/powerpoint/2010/main" val="3992968197"/>
       </p:ext>
     </p:extLst>
   </p:cSld>
   <p:clrMapOvr>
     <a:masterClrMapping/>
   </p:clrMapOvr>
-  <p:timing>
-    <p:tnLst>
-      <p:par>
-        <p:cTn id="1" dur="indefinite" restart="never" nodeType="tmRoot"/>
-      </p:par>
-    </p:tnLst>
-  </p:timing>
 </p:sld>
 </file>
 
@@ -4071,13 +4778,13 @@
           <a:lstStyle/>
           <a:p>
             <a:r>
-              <a:rPr lang="en-US" dirty="0" smtClean="0">
-                <a:latin typeface="Sentinel Light" panose="02000000000000000000" pitchFamily="50" charset="0"/>
-              </a:rPr>
-              <a:t>How might you use modeling to answer your question?</a:t>
+              <a:rPr lang="en-US" dirty="0">
+                <a:latin typeface="Sentinel Light" panose="02000000000000000000" pitchFamily="50" charset="0"/>
+              </a:rPr>
+              <a:t>What insights have you gained from your exploration?</a:t>
             </a:r>
             <a:br>
-              <a:rPr lang="en-US" dirty="0" smtClean="0">
+              <a:rPr lang="en-US" dirty="0">
                 <a:latin typeface="Sentinel Light" panose="02000000000000000000" pitchFamily="50" charset="0"/>
               </a:rPr>
             </a:br>
@@ -4097,58 +4804,98 @@
         </p:nvSpPr>
         <p:spPr/>
         <p:txBody>
-          <a:bodyPr>
-            <a:normAutofit/>
-          </a:bodyPr>
-          <a:lstStyle/>
-          <a:p>
-            <a:r>
-              <a:rPr lang="en-US" sz="2400" dirty="0" smtClean="0">
-                <a:latin typeface="Sentinel Light" panose="02000000000000000000" pitchFamily="50" charset="0"/>
-              </a:rPr>
-              <a:t>Run a linear regression between month and total rides. </a:t>
-            </a:r>
-          </a:p>
-          <a:p>
-            <a:pPr lvl="1"/>
-            <a:r>
-              <a:rPr lang="en-US" sz="2000" dirty="0" smtClean="0">
-                <a:latin typeface="Sentinel Light" panose="02000000000000000000" pitchFamily="50" charset="0"/>
-              </a:rPr>
-              <a:t>Find the busiest season</a:t>
-            </a:r>
-          </a:p>
-          <a:p>
-            <a:r>
-              <a:rPr lang="en-US" sz="2400" dirty="0" smtClean="0">
-                <a:latin typeface="Sentinel Light" panose="02000000000000000000" pitchFamily="50" charset="0"/>
-              </a:rPr>
-              <a:t>Run a linear regression between hour and total rides. </a:t>
-            </a:r>
-          </a:p>
-          <a:p>
-            <a:pPr lvl="1"/>
-            <a:r>
-              <a:rPr lang="en-US" sz="2000" dirty="0" smtClean="0">
-                <a:latin typeface="Sentinel Light" panose="02000000000000000000" pitchFamily="50" charset="0"/>
-              </a:rPr>
-              <a:t>Find the busiest hour during the busiest season. </a:t>
-            </a:r>
-          </a:p>
+          <a:bodyPr/>
+          <a:lstStyle/>
           <a:p>
             <a:r>
               <a:rPr lang="en-US" sz="2400" dirty="0">
                 <a:latin typeface="Sentinel Light" panose="02000000000000000000" pitchFamily="50" charset="0"/>
-              </a:rPr>
-              <a:t>Run a logistic regression between number of passengers and time of day. </a:t>
+                <a:ea typeface="+mj-ea"/>
+                <a:cs typeface="+mj-cs"/>
+              </a:rPr>
+              <a:t>The dataset is fairly clean</a:t>
             </a:r>
           </a:p>
           <a:p>
             <a:r>
               <a:rPr lang="en-US" sz="2400" dirty="0">
                 <a:latin typeface="Sentinel Light" panose="02000000000000000000" pitchFamily="50" charset="0"/>
-              </a:rPr>
-              <a:t>Run a logistic regression between number of passengers and time of year. </a:t>
+                <a:ea typeface="+mj-ea"/>
+                <a:cs typeface="+mj-cs"/>
+              </a:rPr>
+              <a:t>Missing 7M pickup &amp; </a:t>
+            </a:r>
+            <a:r>
+              <a:rPr lang="en-US" sz="2400" dirty="0" err="1">
+                <a:latin typeface="Sentinel Light" panose="02000000000000000000" pitchFamily="50" charset="0"/>
+                <a:ea typeface="+mj-ea"/>
+                <a:cs typeface="+mj-cs"/>
+              </a:rPr>
+              <a:t>dropoff</a:t>
+            </a:r>
+            <a:r>
+              <a:rPr lang="en-US" sz="2400" dirty="0">
+                <a:latin typeface="Sentinel Light" panose="02000000000000000000" pitchFamily="50" charset="0"/>
+                <a:ea typeface="+mj-ea"/>
+                <a:cs typeface="+mj-cs"/>
+              </a:rPr>
+              <a:t> </a:t>
+            </a:r>
+            <a:r>
+              <a:rPr lang="en-US" sz="2400" dirty="0" err="1">
+                <a:latin typeface="Sentinel Light" panose="02000000000000000000" pitchFamily="50" charset="0"/>
+                <a:ea typeface="+mj-ea"/>
+                <a:cs typeface="+mj-cs"/>
+              </a:rPr>
+              <a:t>Lat</a:t>
+            </a:r>
+            <a:r>
+              <a:rPr lang="en-US" sz="2400" dirty="0">
+                <a:latin typeface="Sentinel Light" panose="02000000000000000000" pitchFamily="50" charset="0"/>
+                <a:ea typeface="+mj-ea"/>
+                <a:cs typeface="+mj-cs"/>
+              </a:rPr>
+              <a:t> and Longs when compared to the response variable</a:t>
+            </a:r>
+          </a:p>
+          <a:p>
+            <a:r>
+              <a:rPr lang="en-US" sz="2400" dirty="0">
+                <a:latin typeface="Sentinel Light" panose="02000000000000000000" pitchFamily="50" charset="0"/>
+                <a:ea typeface="+mj-ea"/>
+                <a:cs typeface="+mj-cs"/>
+              </a:rPr>
+              <a:t>The latitude and longitude fields all move in-sync. </a:t>
+            </a:r>
+          </a:p>
+          <a:p>
+            <a:r>
+              <a:rPr lang="en-US" sz="2400" dirty="0">
+                <a:latin typeface="Sentinel Light" panose="02000000000000000000" pitchFamily="50" charset="0"/>
+                <a:ea typeface="+mj-ea"/>
+                <a:cs typeface="+mj-cs"/>
+              </a:rPr>
+              <a:t>The rest of the columns move in sync with pickup and </a:t>
+            </a:r>
+            <a:r>
+              <a:rPr lang="en-US" sz="2400" dirty="0" err="1">
+                <a:latin typeface="Sentinel Light" panose="02000000000000000000" pitchFamily="50" charset="0"/>
+                <a:ea typeface="+mj-ea"/>
+                <a:cs typeface="+mj-cs"/>
+              </a:rPr>
+              <a:t>dropoff</a:t>
+            </a:r>
+            <a:r>
+              <a:rPr lang="en-US" sz="2400" dirty="0">
+                <a:latin typeface="Sentinel Light" panose="02000000000000000000" pitchFamily="50" charset="0"/>
+                <a:ea typeface="+mj-ea"/>
+                <a:cs typeface="+mj-cs"/>
+              </a:rPr>
+              <a:t> times</a:t>
+            </a:r>
+            <a:r>
+              <a:rPr lang="en-US" dirty="0"/>
+              <a:t>.  </a:t>
             </a:r>
           </a:p>
         </p:txBody>
@@ -4156,20 +4903,13 @@
     </p:spTree>
     <p:extLst>
       <p:ext uri="{BB962C8B-B14F-4D97-AF65-F5344CB8AC3E}">
-        <p14:creationId xmlns:p14="http://schemas.microsoft.com/office/powerpoint/2010/main" val="3827725789"/>
+        <p14:creationId xmlns:p14="http://schemas.microsoft.com/office/powerpoint/2010/main" val="744568929"/>
       </p:ext>
     </p:extLst>
   </p:cSld>
   <p:clrMapOvr>
     <a:masterClrMapping/>
   </p:clrMapOvr>
-  <p:timing>
-    <p:tnLst>
-      <p:par>
-        <p:cTn id="1" dur="indefinite" restart="never" nodeType="tmRoot"/>
-      </p:par>
-    </p:tnLst>
-  </p:timing>
 </p:sld>
 </file>
 
@@ -4432,4 +5172,299 @@
     </a:ext>
   </a:extLst>
 </a:theme>
+</file>
+
+<file path=ppt/theme/theme2.xml><?xml version="1.0" encoding="utf-8"?>
+<a:theme xmlns:a="http://schemas.openxmlformats.org/drawingml/2006/main" name="Office Theme">
+  <a:themeElements>
+    <a:clrScheme name="Office">
+      <a:dk1>
+        <a:sysClr val="windowText" lastClr="000000"/>
+      </a:dk1>
+      <a:lt1>
+        <a:sysClr val="window" lastClr="FFFFFF"/>
+      </a:lt1>
+      <a:dk2>
+        <a:srgbClr val="44546A"/>
+      </a:dk2>
+      <a:lt2>
+        <a:srgbClr val="E7E6E6"/>
+      </a:lt2>
+      <a:accent1>
+        <a:srgbClr val="4472C4"/>
+      </a:accent1>
+      <a:accent2>
+        <a:srgbClr val="ED7D31"/>
+      </a:accent2>
+      <a:accent3>
+        <a:srgbClr val="A5A5A5"/>
+      </a:accent3>
+      <a:accent4>
+        <a:srgbClr val="FFC000"/>
+      </a:accent4>
+      <a:accent5>
+        <a:srgbClr val="5B9BD5"/>
+      </a:accent5>
+      <a:accent6>
+        <a:srgbClr val="70AD47"/>
+      </a:accent6>
+      <a:hlink>
+        <a:srgbClr val="0563C1"/>
+      </a:hlink>
+      <a:folHlink>
+        <a:srgbClr val="954F72"/>
+      </a:folHlink>
+    </a:clrScheme>
+    <a:fontScheme name="Office">
+      <a:majorFont>
+        <a:latin typeface="Calibri Light" panose="020F0302020204030204"/>
+        <a:ea typeface=""/>
+        <a:cs typeface=""/>
+        <a:font script="Jpan" typeface="游ゴシック Light"/>
+        <a:font script="Hang" typeface="맑은 고딕"/>
+        <a:font script="Hans" typeface="等线 Light"/>
+        <a:font script="Hant" typeface="新細明體"/>
+        <a:font script="Arab" typeface="Times New Roman"/>
+        <a:font script="Hebr" typeface="Times New Roman"/>
+        <a:font script="Thai" typeface="Angsana New"/>
+        <a:font script="Ethi" typeface="Nyala"/>
+        <a:font script="Beng" typeface="Vrinda"/>
+        <a:font script="Gujr" typeface="Shruti"/>
+        <a:font script="Khmr" typeface="MoolBoran"/>
+        <a:font script="Knda" typeface="Tunga"/>
+        <a:font script="Guru" typeface="Raavi"/>
+        <a:font script="Cans" typeface="Euphemia"/>
+        <a:font script="Cher" typeface="Plantagenet Cherokee"/>
+        <a:font script="Yiii" typeface="Microsoft Yi Baiti"/>
+        <a:font script="Tibt" typeface="Microsoft Himalaya"/>
+        <a:font script="Thaa" typeface="MV Boli"/>
+        <a:font script="Deva" typeface="Mangal"/>
+        <a:font script="Telu" typeface="Gautami"/>
+        <a:font script="Taml" typeface="Latha"/>
+        <a:font script="Syrc" typeface="Estrangelo Edessa"/>
+        <a:font script="Orya" typeface="Kalinga"/>
+        <a:font script="Mlym" typeface="Kartika"/>
+        <a:font script="Laoo" typeface="DokChampa"/>
+        <a:font script="Sinh" typeface="Iskoola Pota"/>
+        <a:font script="Mong" typeface="Mongolian Baiti"/>
+        <a:font script="Viet" typeface="Times New Roman"/>
+        <a:font script="Uigh" typeface="Microsoft Uighur"/>
+        <a:font script="Geor" typeface="Sylfaen"/>
+        <a:font script="Armn" typeface="Arial"/>
+        <a:font script="Bugi" typeface="Leelawadee UI"/>
+        <a:font script="Bopo" typeface="Microsoft JhengHei"/>
+        <a:font script="Java" typeface="Javanese Text"/>
+        <a:font script="Lisu" typeface="Segoe UI"/>
+        <a:font script="Mymr" typeface="Myanmar Text"/>
+        <a:font script="Nkoo" typeface="Ebrima"/>
+        <a:font script="Olck" typeface="Nirmala UI"/>
+        <a:font script="Osma" typeface="Ebrima"/>
+        <a:font script="Phag" typeface="Phagspa"/>
+        <a:font script="Syrn" typeface="Estrangelo Edessa"/>
+        <a:font script="Syrj" typeface="Estrangelo Edessa"/>
+        <a:font script="Syre" typeface="Estrangelo Edessa"/>
+        <a:font script="Sora" typeface="Nirmala UI"/>
+        <a:font script="Tale" typeface="Microsoft Tai Le"/>
+        <a:font script="Talu" typeface="Microsoft New Tai Lue"/>
+        <a:font script="Tfng" typeface="Ebrima"/>
+      </a:majorFont>
+      <a:minorFont>
+        <a:latin typeface="Calibri" panose="020F0502020204030204"/>
+        <a:ea typeface=""/>
+        <a:cs typeface=""/>
+        <a:font script="Jpan" typeface="游ゴシック"/>
+        <a:font script="Hang" typeface="맑은 고딕"/>
+        <a:font script="Hans" typeface="等线"/>
+        <a:font script="Hant" typeface="新細明體"/>
+        <a:font script="Arab" typeface="Arial"/>
+        <a:font script="Hebr" typeface="Arial"/>
+        <a:font script="Thai" typeface="Cordia New"/>
+        <a:font script="Ethi" typeface="Nyala"/>
+        <a:font script="Beng" typeface="Vrinda"/>
+        <a:font script="Gujr" typeface="Shruti"/>
+        <a:font script="Khmr" typeface="DaunPenh"/>
+        <a:font script="Knda" typeface="Tunga"/>
+        <a:font script="Guru" typeface="Raavi"/>
+        <a:font script="Cans" typeface="Euphemia"/>
+        <a:font script="Cher" typeface="Plantagenet Cherokee"/>
+        <a:font script="Yiii" typeface="Microsoft Yi Baiti"/>
+        <a:font script="Tibt" typeface="Microsoft Himalaya"/>
+        <a:font script="Thaa" typeface="MV Boli"/>
+        <a:font script="Deva" typeface="Mangal"/>
+        <a:font script="Telu" typeface="Gautami"/>
+        <a:font script="Taml" typeface="Latha"/>
+        <a:font script="Syrc" typeface="Estrangelo Edessa"/>
+        <a:font script="Orya" typeface="Kalinga"/>
+        <a:font script="Mlym" typeface="Kartika"/>
+        <a:font script="Laoo" typeface="DokChampa"/>
+        <a:font script="Sinh" typeface="Iskoola Pota"/>
+        <a:font script="Mong" typeface="Mongolian Baiti"/>
+        <a:font script="Viet" typeface="Arial"/>
+        <a:font script="Uigh" typeface="Microsoft Uighur"/>
+        <a:font script="Geor" typeface="Sylfaen"/>
+        <a:font script="Armn" typeface="Arial"/>
+        <a:font script="Bugi" typeface="Leelawadee UI"/>
+        <a:font script="Bopo" typeface="Microsoft JhengHei"/>
+        <a:font script="Java" typeface="Javanese Text"/>
+        <a:font script="Lisu" typeface="Segoe UI"/>
+        <a:font script="Mymr" typeface="Myanmar Text"/>
+        <a:font script="Nkoo" typeface="Ebrima"/>
+        <a:font script="Olck" typeface="Nirmala UI"/>
+        <a:font script="Osma" typeface="Ebrima"/>
+        <a:font script="Phag" typeface="Phagspa"/>
+        <a:font script="Syrn" typeface="Estrangelo Edessa"/>
+        <a:font script="Syrj" typeface="Estrangelo Edessa"/>
+        <a:font script="Syre" typeface="Estrangelo Edessa"/>
+        <a:font script="Sora" typeface="Nirmala UI"/>
+        <a:font script="Tale" typeface="Microsoft Tai Le"/>
+        <a:font script="Talu" typeface="Microsoft New Tai Lue"/>
+        <a:font script="Tfng" typeface="Ebrima"/>
+      </a:minorFont>
+    </a:fontScheme>
+    <a:fmtScheme name="Office">
+      <a:fillStyleLst>
+        <a:solidFill>
+          <a:schemeClr val="phClr"/>
+        </a:solidFill>
+        <a:gradFill rotWithShape="1">
+          <a:gsLst>
+            <a:gs pos="0">
+              <a:schemeClr val="phClr">
+                <a:lumMod val="110000"/>
+                <a:satMod val="105000"/>
+                <a:tint val="67000"/>
+              </a:schemeClr>
+            </a:gs>
+            <a:gs pos="50000">
+              <a:schemeClr val="phClr">
+                <a:lumMod val="105000"/>
+                <a:satMod val="103000"/>
+                <a:tint val="73000"/>
+              </a:schemeClr>
+            </a:gs>
+            <a:gs pos="100000">
+              <a:schemeClr val="phClr">
+                <a:lumMod val="105000"/>
+                <a:satMod val="109000"/>
+                <a:tint val="81000"/>
+              </a:schemeClr>
+            </a:gs>
+          </a:gsLst>
+          <a:lin ang="5400000" scaled="0"/>
+        </a:gradFill>
+        <a:gradFill rotWithShape="1">
+          <a:gsLst>
+            <a:gs pos="0">
+              <a:schemeClr val="phClr">
+                <a:satMod val="103000"/>
+                <a:lumMod val="102000"/>
+                <a:tint val="94000"/>
+              </a:schemeClr>
+            </a:gs>
+            <a:gs pos="50000">
+              <a:schemeClr val="phClr">
+                <a:satMod val="110000"/>
+                <a:lumMod val="100000"/>
+                <a:shade val="100000"/>
+              </a:schemeClr>
+            </a:gs>
+            <a:gs pos="100000">
+              <a:schemeClr val="phClr">
+                <a:lumMod val="99000"/>
+                <a:satMod val="120000"/>
+                <a:shade val="78000"/>
+              </a:schemeClr>
+            </a:gs>
+          </a:gsLst>
+          <a:lin ang="5400000" scaled="0"/>
+        </a:gradFill>
+      </a:fillStyleLst>
+      <a:lnStyleLst>
+        <a:ln w="6350" cap="flat" cmpd="sng" algn="ctr">
+          <a:solidFill>
+            <a:schemeClr val="phClr"/>
+          </a:solidFill>
+          <a:prstDash val="solid"/>
+          <a:miter lim="800000"/>
+        </a:ln>
+        <a:ln w="12700" cap="flat" cmpd="sng" algn="ctr">
+          <a:solidFill>
+            <a:schemeClr val="phClr"/>
+          </a:solidFill>
+          <a:prstDash val="solid"/>
+          <a:miter lim="800000"/>
+        </a:ln>
+        <a:ln w="19050" cap="flat" cmpd="sng" algn="ctr">
+          <a:solidFill>
+            <a:schemeClr val="phClr"/>
+          </a:solidFill>
+          <a:prstDash val="solid"/>
+          <a:miter lim="800000"/>
+        </a:ln>
+      </a:lnStyleLst>
+      <a:effectStyleLst>
+        <a:effectStyle>
+          <a:effectLst/>
+        </a:effectStyle>
+        <a:effectStyle>
+          <a:effectLst/>
+        </a:effectStyle>
+        <a:effectStyle>
+          <a:effectLst>
+            <a:outerShdw blurRad="57150" dist="19050" dir="5400000" algn="ctr" rotWithShape="0">
+              <a:srgbClr val="000000">
+                <a:alpha val="63000"/>
+              </a:srgbClr>
+            </a:outerShdw>
+          </a:effectLst>
+        </a:effectStyle>
+      </a:effectStyleLst>
+      <a:bgFillStyleLst>
+        <a:solidFill>
+          <a:schemeClr val="phClr"/>
+        </a:solidFill>
+        <a:solidFill>
+          <a:schemeClr val="phClr">
+            <a:tint val="95000"/>
+            <a:satMod val="170000"/>
+          </a:schemeClr>
+        </a:solidFill>
+        <a:gradFill rotWithShape="1">
+          <a:gsLst>
+            <a:gs pos="0">
+              <a:schemeClr val="phClr">
+                <a:tint val="93000"/>
+                <a:satMod val="150000"/>
+                <a:shade val="98000"/>
+                <a:lumMod val="102000"/>
+              </a:schemeClr>
+            </a:gs>
+            <a:gs pos="50000">
+              <a:schemeClr val="phClr">
+                <a:tint val="98000"/>
+                <a:satMod val="130000"/>
+                <a:shade val="90000"/>
+                <a:lumMod val="103000"/>
+              </a:schemeClr>
+            </a:gs>
+            <a:gs pos="100000">
+              <a:schemeClr val="phClr">
+                <a:shade val="63000"/>
+                <a:satMod val="120000"/>
+              </a:schemeClr>
+            </a:gs>
+          </a:gsLst>
+          <a:lin ang="5400000" scaled="0"/>
+        </a:gradFill>
+      </a:bgFillStyleLst>
+    </a:fmtScheme>
+  </a:themeElements>
+  <a:objectDefaults/>
+  <a:extraClrSchemeLst/>
+  <a:extLst>
+    <a:ext uri="{05A4C25C-085E-4340-85A3-A5531E510DB2}">
+      <thm15:themeFamily xmlns:thm15="http://schemas.microsoft.com/office/thememl/2012/main" name="Office Theme" id="{62F939B6-93AF-4DB8-9C6B-D6C7DFDC589F}" vid="{4A3C46E8-61CC-4603-A589-7422A47A8E4A}"/>
+    </a:ext>
+  </a:extLst>
+</a:theme>
 </file>
--- a/Final_Project/Presentation/final_project_presentation.pptx
+++ b/Final_Project/Presentation/final_project_presentation.pptx
@@ -5,7 +5,7 @@
     <p:sldMasterId id="2147483648" r:id="rId1"/>
   </p:sldMasterIdLst>
   <p:notesMasterIdLst>
-    <p:notesMasterId r:id="rId14"/>
+    <p:notesMasterId r:id="rId15"/>
   </p:notesMasterIdLst>
   <p:sldIdLst>
     <p:sldId id="256" r:id="rId2"/>
@@ -20,6 +20,7 @@
     <p:sldId id="264" r:id="rId11"/>
     <p:sldId id="267" r:id="rId12"/>
     <p:sldId id="268" r:id="rId13"/>
+    <p:sldId id="269" r:id="rId14"/>
   </p:sldIdLst>
   <p:sldSz cx="12192000" cy="6858000"/>
   <p:notesSz cx="6858000" cy="9144000"/>
@@ -212,7 +213,7 @@
           <a:p>
             <a:fld id="{9610B03A-6F38-47FD-8B5C-ECADD6573139}" type="datetimeFigureOut">
               <a:rPr lang="en-US" smtClean="0"/>
-              <a:t>11/17/2017</a:t>
+              <a:t>11/19/2017</a:t>
             </a:fld>
             <a:endParaRPr lang="en-US"/>
           </a:p>
@@ -612,6 +613,126 @@
           <a:p>
             <a:r>
               <a:rPr lang="en-US" dirty="0"/>
+              <a:t>#Decreasing lag suggests highly autocorrelated dataset</a:t>
+            </a:r>
+          </a:p>
+          <a:p>
+            <a:r>
+              <a:rPr lang="en-US" dirty="0" err="1"/>
+              <a:t>plot_acf</a:t>
+            </a:r>
+            <a:r>
+              <a:rPr lang="en-US" dirty="0"/>
+              <a:t> = </a:t>
+            </a:r>
+            <a:r>
+              <a:rPr lang="en-US" dirty="0" err="1"/>
+              <a:t>autocorrelation_plot</a:t>
+            </a:r>
+            <a:r>
+              <a:rPr lang="en-US" dirty="0"/>
+              <a:t>(train)</a:t>
+            </a:r>
+          </a:p>
+          <a:p>
+            <a:endParaRPr lang="en-US" dirty="0"/>
+          </a:p>
+          <a:p>
+            <a:r>
+              <a:rPr lang="en-US" dirty="0"/>
+              <a:t>#find ideal lag. Cyclical spikes means we have a cycle</a:t>
+            </a:r>
+          </a:p>
+          <a:p>
+            <a:r>
+              <a:rPr lang="en-US" dirty="0"/>
+              <a:t>AR(1) model matches the autocorrelation of a lag of 1. Therefore stationary. </a:t>
+            </a:r>
+          </a:p>
+        </p:txBody>
+      </p:sp>
+      <p:sp>
+        <p:nvSpPr>
+          <p:cNvPr id="4" name="Slide Number Placeholder 3"/>
+          <p:cNvSpPr>
+            <a:spLocks noGrp="1"/>
+          </p:cNvSpPr>
+          <p:nvPr>
+            <p:ph type="sldNum" sz="quarter" idx="10"/>
+          </p:nvPr>
+        </p:nvSpPr>
+        <p:spPr/>
+        <p:txBody>
+          <a:bodyPr/>
+          <a:lstStyle/>
+          <a:p>
+            <a:fld id="{8EB7CF9E-2A69-48C9-B72B-5C25A21B98F5}" type="slidenum">
+              <a:rPr lang="en-US" smtClean="0"/>
+              <a:t>10</a:t>
+            </a:fld>
+            <a:endParaRPr lang="en-US"/>
+          </a:p>
+        </p:txBody>
+      </p:sp>
+    </p:spTree>
+    <p:extLst>
+      <p:ext uri="{BB962C8B-B14F-4D97-AF65-F5344CB8AC3E}">
+        <p14:creationId xmlns:p14="http://schemas.microsoft.com/office/powerpoint/2010/main" val="329212093"/>
+      </p:ext>
+    </p:extLst>
+  </p:cSld>
+  <p:clrMapOvr>
+    <a:masterClrMapping/>
+  </p:clrMapOvr>
+</p:notes>
+</file>
+
+<file path=ppt/notesSlides/notesSlide3.xml><?xml version="1.0" encoding="utf-8"?>
+<p:notes xmlns:a="http://schemas.openxmlformats.org/drawingml/2006/main" xmlns:r="http://schemas.openxmlformats.org/officeDocument/2006/relationships" xmlns:p="http://schemas.openxmlformats.org/presentationml/2006/main">
+  <p:cSld>
+    <p:spTree>
+      <p:nvGrpSpPr>
+        <p:cNvPr id="1" name=""/>
+        <p:cNvGrpSpPr/>
+        <p:nvPr/>
+      </p:nvGrpSpPr>
+      <p:grpSpPr>
+        <a:xfrm>
+          <a:off x="0" y="0"/>
+          <a:ext cx="0" cy="0"/>
+          <a:chOff x="0" y="0"/>
+          <a:chExt cx="0" cy="0"/>
+        </a:xfrm>
+      </p:grpSpPr>
+      <p:sp>
+        <p:nvSpPr>
+          <p:cNvPr id="2" name="Slide Image Placeholder 1"/>
+          <p:cNvSpPr>
+            <a:spLocks noGrp="1" noRot="1" noChangeAspect="1"/>
+          </p:cNvSpPr>
+          <p:nvPr>
+            <p:ph type="sldImg"/>
+          </p:nvPr>
+        </p:nvSpPr>
+        <p:spPr/>
+      </p:sp>
+      <p:sp>
+        <p:nvSpPr>
+          <p:cNvPr id="3" name="Notes Placeholder 2"/>
+          <p:cNvSpPr>
+            <a:spLocks noGrp="1"/>
+          </p:cNvSpPr>
+          <p:nvPr>
+            <p:ph type="body" idx="1"/>
+          </p:nvPr>
+        </p:nvSpPr>
+        <p:spPr/>
+        <p:txBody>
+          <a:bodyPr/>
+          <a:lstStyle/>
+          <a:p>
+            <a:r>
+              <a:rPr lang="en-US" dirty="0"/>
               <a:t>(21,1,1)</a:t>
             </a:r>
           </a:p>
@@ -782,7 +903,7 @@
           <a:p>
             <a:fld id="{750B4A1C-CCE2-4EBB-9C6F-E54A78F24D1F}" type="datetimeFigureOut">
               <a:rPr lang="en-US" smtClean="0"/>
-              <a:t>11/17/2017</a:t>
+              <a:t>11/19/2017</a:t>
             </a:fld>
             <a:endParaRPr lang="en-US"/>
           </a:p>
@@ -950,7 +1071,7 @@
           <a:p>
             <a:fld id="{750B4A1C-CCE2-4EBB-9C6F-E54A78F24D1F}" type="datetimeFigureOut">
               <a:rPr lang="en-US" smtClean="0"/>
-              <a:t>11/17/2017</a:t>
+              <a:t>11/19/2017</a:t>
             </a:fld>
             <a:endParaRPr lang="en-US"/>
           </a:p>
@@ -1128,7 +1249,7 @@
           <a:p>
             <a:fld id="{750B4A1C-CCE2-4EBB-9C6F-E54A78F24D1F}" type="datetimeFigureOut">
               <a:rPr lang="en-US" smtClean="0"/>
-              <a:t>11/17/2017</a:t>
+              <a:t>11/19/2017</a:t>
             </a:fld>
             <a:endParaRPr lang="en-US"/>
           </a:p>
@@ -1296,7 +1417,7 @@
           <a:p>
             <a:fld id="{750B4A1C-CCE2-4EBB-9C6F-E54A78F24D1F}" type="datetimeFigureOut">
               <a:rPr lang="en-US" smtClean="0"/>
-              <a:t>11/17/2017</a:t>
+              <a:t>11/19/2017</a:t>
             </a:fld>
             <a:endParaRPr lang="en-US"/>
           </a:p>
@@ -1541,7 +1662,7 @@
           <a:p>
             <a:fld id="{750B4A1C-CCE2-4EBB-9C6F-E54A78F24D1F}" type="datetimeFigureOut">
               <a:rPr lang="en-US" smtClean="0"/>
-              <a:t>11/17/2017</a:t>
+              <a:t>11/19/2017</a:t>
             </a:fld>
             <a:endParaRPr lang="en-US"/>
           </a:p>
@@ -1770,7 +1891,7 @@
           <a:p>
             <a:fld id="{750B4A1C-CCE2-4EBB-9C6F-E54A78F24D1F}" type="datetimeFigureOut">
               <a:rPr lang="en-US" smtClean="0"/>
-              <a:t>11/17/2017</a:t>
+              <a:t>11/19/2017</a:t>
             </a:fld>
             <a:endParaRPr lang="en-US"/>
           </a:p>
@@ -2134,7 +2255,7 @@
           <a:p>
             <a:fld id="{750B4A1C-CCE2-4EBB-9C6F-E54A78F24D1F}" type="datetimeFigureOut">
               <a:rPr lang="en-US" smtClean="0"/>
-              <a:t>11/17/2017</a:t>
+              <a:t>11/19/2017</a:t>
             </a:fld>
             <a:endParaRPr lang="en-US"/>
           </a:p>
@@ -2251,7 +2372,7 @@
           <a:p>
             <a:fld id="{750B4A1C-CCE2-4EBB-9C6F-E54A78F24D1F}" type="datetimeFigureOut">
               <a:rPr lang="en-US" smtClean="0"/>
-              <a:t>11/17/2017</a:t>
+              <a:t>11/19/2017</a:t>
             </a:fld>
             <a:endParaRPr lang="en-US"/>
           </a:p>
@@ -2346,7 +2467,7 @@
           <a:p>
             <a:fld id="{750B4A1C-CCE2-4EBB-9C6F-E54A78F24D1F}" type="datetimeFigureOut">
               <a:rPr lang="en-US" smtClean="0"/>
-              <a:t>11/17/2017</a:t>
+              <a:t>11/19/2017</a:t>
             </a:fld>
             <a:endParaRPr lang="en-US"/>
           </a:p>
@@ -2621,7 +2742,7 @@
           <a:p>
             <a:fld id="{750B4A1C-CCE2-4EBB-9C6F-E54A78F24D1F}" type="datetimeFigureOut">
               <a:rPr lang="en-US" smtClean="0"/>
-              <a:t>11/17/2017</a:t>
+              <a:t>11/19/2017</a:t>
             </a:fld>
             <a:endParaRPr lang="en-US"/>
           </a:p>
@@ -2873,7 +2994,7 @@
           <a:p>
             <a:fld id="{750B4A1C-CCE2-4EBB-9C6F-E54A78F24D1F}" type="datetimeFigureOut">
               <a:rPr lang="en-US" smtClean="0"/>
-              <a:t>11/17/2017</a:t>
+              <a:t>11/19/2017</a:t>
             </a:fld>
             <a:endParaRPr lang="en-US"/>
           </a:p>
@@ -3084,7 +3205,7 @@
           <a:p>
             <a:fld id="{750B4A1C-CCE2-4EBB-9C6F-E54A78F24D1F}" type="datetimeFigureOut">
               <a:rPr lang="en-US" smtClean="0"/>
-              <a:t>11/17/2017</a:t>
+              <a:t>11/19/2017</a:t>
             </a:fld>
             <a:endParaRPr lang="en-US"/>
           </a:p>
@@ -3616,7 +3737,7 @@
           </p:nvPr>
         </p:nvPicPr>
         <p:blipFill>
-          <a:blip r:embed="rId2"/>
+          <a:blip r:embed="rId3"/>
           <a:stretch>
             <a:fillRect/>
           </a:stretch>
@@ -3649,7 +3770,7 @@
           <p:nvPr/>
         </p:nvPicPr>
         <p:blipFill>
-          <a:blip r:embed="rId3"/>
+          <a:blip r:embed="rId4"/>
           <a:stretch>
             <a:fillRect/>
           </a:stretch>
@@ -3906,6 +4027,122 @@
     <p:extLst>
       <p:ext uri="{BB962C8B-B14F-4D97-AF65-F5344CB8AC3E}">
         <p14:creationId xmlns:p14="http://schemas.microsoft.com/office/powerpoint/2010/main" val="1418901840"/>
+      </p:ext>
+    </p:extLst>
+  </p:cSld>
+  <p:clrMapOvr>
+    <a:masterClrMapping/>
+  </p:clrMapOvr>
+</p:sld>
+</file>
+
+<file path=ppt/slides/slide13.xml><?xml version="1.0" encoding="utf-8"?>
+<p:sld xmlns:a="http://schemas.openxmlformats.org/drawingml/2006/main" xmlns:r="http://schemas.openxmlformats.org/officeDocument/2006/relationships" xmlns:p="http://schemas.openxmlformats.org/presentationml/2006/main">
+  <p:cSld>
+    <p:spTree>
+      <p:nvGrpSpPr>
+        <p:cNvPr id="1" name=""/>
+        <p:cNvGrpSpPr/>
+        <p:nvPr/>
+      </p:nvGrpSpPr>
+      <p:grpSpPr>
+        <a:xfrm>
+          <a:off x="0" y="0"/>
+          <a:ext cx="0" cy="0"/>
+          <a:chOff x="0" y="0"/>
+          <a:chExt cx="0" cy="0"/>
+        </a:xfrm>
+      </p:grpSpPr>
+      <p:sp>
+        <p:nvSpPr>
+          <p:cNvPr id="2" name="Title 1">
+            <a:extLst>
+              <a:ext uri="{FF2B5EF4-FFF2-40B4-BE49-F238E27FC236}">
+                <a16:creationId xmlns:a16="http://schemas.microsoft.com/office/drawing/2014/main" id="{273D100A-25F8-4672-9E29-1CD5D71342EA}"/>
+              </a:ext>
+            </a:extLst>
+          </p:cNvPr>
+          <p:cNvSpPr>
+            <a:spLocks noGrp="1"/>
+          </p:cNvSpPr>
+          <p:nvPr>
+            <p:ph type="title"/>
+          </p:nvPr>
+        </p:nvSpPr>
+        <p:spPr/>
+        <p:txBody>
+          <a:bodyPr/>
+          <a:lstStyle/>
+          <a:p>
+            <a:r>
+              <a:rPr lang="en-US" dirty="0">
+                <a:latin typeface="Sentinel Light" panose="02000000000000000000" pitchFamily="50" charset="0"/>
+              </a:rPr>
+              <a:t>Next Steps</a:t>
+            </a:r>
+          </a:p>
+        </p:txBody>
+      </p:sp>
+      <p:sp>
+        <p:nvSpPr>
+          <p:cNvPr id="3" name="Content Placeholder 2">
+            <a:extLst>
+              <a:ext uri="{FF2B5EF4-FFF2-40B4-BE49-F238E27FC236}">
+                <a16:creationId xmlns:a16="http://schemas.microsoft.com/office/drawing/2014/main" id="{CCD2F256-8B77-4DCA-9B56-73069F10F318}"/>
+              </a:ext>
+            </a:extLst>
+          </p:cNvPr>
+          <p:cNvSpPr>
+            <a:spLocks noGrp="1"/>
+          </p:cNvSpPr>
+          <p:nvPr>
+            <p:ph idx="1"/>
+          </p:nvPr>
+        </p:nvSpPr>
+        <p:spPr/>
+        <p:txBody>
+          <a:bodyPr/>
+          <a:lstStyle/>
+          <a:p>
+            <a:r>
+              <a:rPr lang="en-US" dirty="0">
+                <a:latin typeface="Sentinel Light" panose="02000000000000000000" pitchFamily="50" charset="0"/>
+              </a:rPr>
+              <a:t>VAR</a:t>
+            </a:r>
+          </a:p>
+          <a:p>
+            <a:r>
+              <a:rPr lang="en-US" dirty="0">
+                <a:latin typeface="Sentinel Light" panose="02000000000000000000" pitchFamily="50" charset="0"/>
+              </a:rPr>
+              <a:t>Predict using different features</a:t>
+            </a:r>
+          </a:p>
+          <a:p>
+            <a:pPr lvl="1"/>
+            <a:r>
+              <a:rPr lang="en-US" dirty="0">
+                <a:latin typeface="Sentinel Light" panose="02000000000000000000" pitchFamily="50" charset="0"/>
+              </a:rPr>
+              <a:t>E.g. Does the number of passengers follow a season trend?</a:t>
+            </a:r>
+          </a:p>
+          <a:p>
+            <a:pPr lvl="1"/>
+            <a:r>
+              <a:rPr lang="en-US" dirty="0">
+                <a:latin typeface="Sentinel Light" panose="02000000000000000000" pitchFamily="50" charset="0"/>
+              </a:rPr>
+              <a:t>E.g. Does the average trip distance follow a seasonal trend?</a:t>
+            </a:r>
+          </a:p>
+        </p:txBody>
+      </p:sp>
+    </p:spTree>
+    <p:extLst>
+      <p:ext uri="{BB962C8B-B14F-4D97-AF65-F5344CB8AC3E}">
+        <p14:creationId xmlns:p14="http://schemas.microsoft.com/office/powerpoint/2010/main" val="3720868626"/>
       </p:ext>
     </p:extLst>
   </p:cSld>

--- a/Final_Project/Presentation/final_project_presentation.pptx
+++ b/Final_Project/Presentation/final_project_presentation.pptx
@@ -213,7 +213,7 @@
           <a:p>
             <a:fld id="{9610B03A-6F38-47FD-8B5C-ECADD6573139}" type="datetimeFigureOut">
               <a:rPr lang="en-US" smtClean="0"/>
-              <a:t>11/19/2017</a:t>
+              <a:t>11/20/2017</a:t>
             </a:fld>
             <a:endParaRPr lang="en-US"/>
           </a:p>
@@ -903,7 +903,7 @@
           <a:p>
             <a:fld id="{750B4A1C-CCE2-4EBB-9C6F-E54A78F24D1F}" type="datetimeFigureOut">
               <a:rPr lang="en-US" smtClean="0"/>
-              <a:t>11/19/2017</a:t>
+              <a:t>11/20/2017</a:t>
             </a:fld>
             <a:endParaRPr lang="en-US"/>
           </a:p>
@@ -1071,7 +1071,7 @@
           <a:p>
             <a:fld id="{750B4A1C-CCE2-4EBB-9C6F-E54A78F24D1F}" type="datetimeFigureOut">
               <a:rPr lang="en-US" smtClean="0"/>
-              <a:t>11/19/2017</a:t>
+              <a:t>11/20/2017</a:t>
             </a:fld>
             <a:endParaRPr lang="en-US"/>
           </a:p>
@@ -1249,7 +1249,7 @@
           <a:p>
             <a:fld id="{750B4A1C-CCE2-4EBB-9C6F-E54A78F24D1F}" type="datetimeFigureOut">
               <a:rPr lang="en-US" smtClean="0"/>
-              <a:t>11/19/2017</a:t>
+              <a:t>11/20/2017</a:t>
             </a:fld>
             <a:endParaRPr lang="en-US"/>
           </a:p>
@@ -1417,7 +1417,7 @@
           <a:p>
             <a:fld id="{750B4A1C-CCE2-4EBB-9C6F-E54A78F24D1F}" type="datetimeFigureOut">
               <a:rPr lang="en-US" smtClean="0"/>
-              <a:t>11/19/2017</a:t>
+              <a:t>11/20/2017</a:t>
             </a:fld>
             <a:endParaRPr lang="en-US"/>
           </a:p>
@@ -1662,7 +1662,7 @@
           <a:p>
             <a:fld id="{750B4A1C-CCE2-4EBB-9C6F-E54A78F24D1F}" type="datetimeFigureOut">
               <a:rPr lang="en-US" smtClean="0"/>
-              <a:t>11/19/2017</a:t>
+              <a:t>11/20/2017</a:t>
             </a:fld>
             <a:endParaRPr lang="en-US"/>
           </a:p>
@@ -1891,7 +1891,7 @@
           <a:p>
             <a:fld id="{750B4A1C-CCE2-4EBB-9C6F-E54A78F24D1F}" type="datetimeFigureOut">
               <a:rPr lang="en-US" smtClean="0"/>
-              <a:t>11/19/2017</a:t>
+              <a:t>11/20/2017</a:t>
             </a:fld>
             <a:endParaRPr lang="en-US"/>
           </a:p>
@@ -2255,7 +2255,7 @@
           <a:p>
             <a:fld id="{750B4A1C-CCE2-4EBB-9C6F-E54A78F24D1F}" type="datetimeFigureOut">
               <a:rPr lang="en-US" smtClean="0"/>
-              <a:t>11/19/2017</a:t>
+              <a:t>11/20/2017</a:t>
             </a:fld>
             <a:endParaRPr lang="en-US"/>
           </a:p>
@@ -2372,7 +2372,7 @@
           <a:p>
             <a:fld id="{750B4A1C-CCE2-4EBB-9C6F-E54A78F24D1F}" type="datetimeFigureOut">
               <a:rPr lang="en-US" smtClean="0"/>
-              <a:t>11/19/2017</a:t>
+              <a:t>11/20/2017</a:t>
             </a:fld>
             <a:endParaRPr lang="en-US"/>
           </a:p>
@@ -2467,7 +2467,7 @@
           <a:p>
             <a:fld id="{750B4A1C-CCE2-4EBB-9C6F-E54A78F24D1F}" type="datetimeFigureOut">
               <a:rPr lang="en-US" smtClean="0"/>
-              <a:t>11/19/2017</a:t>
+              <a:t>11/20/2017</a:t>
             </a:fld>
             <a:endParaRPr lang="en-US"/>
           </a:p>
@@ -2742,7 +2742,7 @@
           <a:p>
             <a:fld id="{750B4A1C-CCE2-4EBB-9C6F-E54A78F24D1F}" type="datetimeFigureOut">
               <a:rPr lang="en-US" smtClean="0"/>
-              <a:t>11/19/2017</a:t>
+              <a:t>11/20/2017</a:t>
             </a:fld>
             <a:endParaRPr lang="en-US"/>
           </a:p>
@@ -2994,7 +2994,7 @@
           <a:p>
             <a:fld id="{750B4A1C-CCE2-4EBB-9C6F-E54A78F24D1F}" type="datetimeFigureOut">
               <a:rPr lang="en-US" smtClean="0"/>
-              <a:t>11/19/2017</a:t>
+              <a:t>11/20/2017</a:t>
             </a:fld>
             <a:endParaRPr lang="en-US"/>
           </a:p>
@@ -3205,7 +3205,7 @@
           <a:p>
             <a:fld id="{750B4A1C-CCE2-4EBB-9C6F-E54A78F24D1F}" type="datetimeFigureOut">
               <a:rPr lang="en-US" smtClean="0"/>
-              <a:t>11/19/2017</a:t>
+              <a:t>11/20/2017</a:t>
             </a:fld>
             <a:endParaRPr lang="en-US"/>
           </a:p>
